--- a/Quantum-Control-Applications/Superconducting/Kerr-Cat SNAIL-mon/Use Case 2 - QuLAB - Kerr-Cat/Grimm_Frattini_Fig1.pptx
+++ b/Quantum-Control-Applications/Superconducting/Kerr-Cat SNAIL-mon/Use Case 2 - QuLAB - Kerr-Cat/Grimm_Frattini_Fig1.pptx
@@ -104,6 +104,11 @@
       </a:defRPr>
     </a:lvl9pPr>
   </p:defaultTextStyle>
+  <p:extLst>
+    <p:ext uri="{EFAFB233-063F-42B5-8137-9DF3F51BA10A}">
+      <p15:sldGuideLst xmlns:p15="http://schemas.microsoft.com/office/powerpoint/2012/main"/>
+    </p:ext>
+  </p:extLst>
 </p:presentation>
 </file>
 
@@ -3323,10 +3328,10 @@
       </p:grpSpPr>
       <p:pic>
         <p:nvPicPr>
-          <p:cNvPr id="5" name="Picture 4">
-            <a:extLst>
-              <a:ext uri="{FF2B5EF4-FFF2-40B4-BE49-F238E27FC236}">
-                <a16:creationId xmlns:a16="http://schemas.microsoft.com/office/drawing/2014/main" id="{211FDC9A-4D72-B5C4-3B42-8E8AC999F929}"/>
+          <p:cNvPr id="3" name="Picture 2">
+            <a:extLst>
+              <a:ext uri="{FF2B5EF4-FFF2-40B4-BE49-F238E27FC236}">
+                <a16:creationId xmlns:a16="http://schemas.microsoft.com/office/drawing/2014/main" id="{90EA6E0C-AA44-EA49-384A-208C5FDFA909}"/>
               </a:ext>
             </a:extLst>
           </p:cNvPr>
@@ -3343,8 +3348,8 @@
         </p:blipFill>
         <p:spPr>
           <a:xfrm>
-            <a:off x="1464084" y="0"/>
-            <a:ext cx="9263831" cy="6858000"/>
+            <a:off x="1288420" y="0"/>
+            <a:ext cx="9615160" cy="6858000"/>
           </a:xfrm>
           <a:prstGeom prst="rect">
             <a:avLst/>

--- a/Quantum-Control-Applications/Superconducting/Kerr-Cat SNAIL-mon/Use Case 2 - QuLAB - Kerr-Cat/Grimm_Frattini_Fig1.pptx
+++ b/Quantum-Control-Applications/Superconducting/Kerr-Cat SNAIL-mon/Use Case 2 - QuLAB - Kerr-Cat/Grimm_Frattini_Fig1.pptx
@@ -6,6 +6,7 @@
   </p:sldMasterIdLst>
   <p:sldIdLst>
     <p:sldId id="256" r:id="rId2"/>
+    <p:sldId id="257" r:id="rId3"/>
   </p:sldIdLst>
   <p:sldSz cx="12192000" cy="6858000"/>
   <p:notesSz cx="6858000" cy="9144000"/>
@@ -3369,6 +3370,860 @@
 </p:sld>
 </file>
 
+<file path=ppt/slides/slide2.xml><?xml version="1.0" encoding="utf-8"?>
+<p:sld xmlns:a="http://schemas.openxmlformats.org/drawingml/2006/main" xmlns:r="http://schemas.openxmlformats.org/officeDocument/2006/relationships" xmlns:p="http://schemas.openxmlformats.org/presentationml/2006/main">
+  <p:cSld>
+    <p:spTree>
+      <p:nvGrpSpPr>
+        <p:cNvPr id="1" name=""/>
+        <p:cNvGrpSpPr/>
+        <p:nvPr/>
+      </p:nvGrpSpPr>
+      <p:grpSpPr>
+        <a:xfrm>
+          <a:off x="0" y="0"/>
+          <a:ext cx="0" cy="0"/>
+          <a:chOff x="0" y="0"/>
+          <a:chExt cx="0" cy="0"/>
+        </a:xfrm>
+      </p:grpSpPr>
+      <p:cxnSp>
+        <p:nvCxnSpPr>
+          <p:cNvPr id="7" name="Straight Arrow Connector 6">
+            <a:extLst>
+              <a:ext uri="{FF2B5EF4-FFF2-40B4-BE49-F238E27FC236}">
+                <a16:creationId xmlns:a16="http://schemas.microsoft.com/office/drawing/2014/main" id="{03CCFED0-50DE-6C98-15F6-DD172FA987B0}"/>
+              </a:ext>
+            </a:extLst>
+          </p:cNvPr>
+          <p:cNvCxnSpPr>
+            <a:cxnSpLocks/>
+          </p:cNvCxnSpPr>
+          <p:nvPr/>
+        </p:nvCxnSpPr>
+        <p:spPr>
+          <a:xfrm>
+            <a:off x="3391619" y="2904227"/>
+            <a:ext cx="5512279" cy="0"/>
+          </a:xfrm>
+          <a:prstGeom prst="straightConnector1">
+            <a:avLst/>
+          </a:prstGeom>
+          <a:ln w="38100">
+            <a:solidFill>
+              <a:schemeClr val="tx1"/>
+            </a:solidFill>
+            <a:tailEnd type="triangle"/>
+          </a:ln>
+        </p:spPr>
+        <p:style>
+          <a:lnRef idx="1">
+            <a:schemeClr val="accent1"/>
+          </a:lnRef>
+          <a:fillRef idx="0">
+            <a:schemeClr val="accent1"/>
+          </a:fillRef>
+          <a:effectRef idx="0">
+            <a:schemeClr val="accent1"/>
+          </a:effectRef>
+          <a:fontRef idx="minor">
+            <a:schemeClr val="tx1"/>
+          </a:fontRef>
+        </p:style>
+      </p:cxnSp>
+      <p:sp>
+        <p:nvSpPr>
+          <p:cNvPr id="33" name="Freeform: Shape 32">
+            <a:extLst>
+              <a:ext uri="{FF2B5EF4-FFF2-40B4-BE49-F238E27FC236}">
+                <a16:creationId xmlns:a16="http://schemas.microsoft.com/office/drawing/2014/main" id="{26F82AE0-F6FD-69B3-33F5-75BD00FE4B23}"/>
+              </a:ext>
+            </a:extLst>
+          </p:cNvPr>
+          <p:cNvSpPr/>
+          <p:nvPr/>
+        </p:nvSpPr>
+        <p:spPr>
+          <a:xfrm>
+            <a:off x="3726611" y="2164230"/>
+            <a:ext cx="4537495" cy="739997"/>
+          </a:xfrm>
+          <a:custGeom>
+            <a:avLst/>
+            <a:gdLst>
+              <a:gd name="connsiteX0" fmla="*/ 0 w 3683479"/>
+              <a:gd name="connsiteY0" fmla="*/ 733245 h 739997"/>
+              <a:gd name="connsiteX1" fmla="*/ 241540 w 3683479"/>
+              <a:gd name="connsiteY1" fmla="*/ 655607 h 739997"/>
+              <a:gd name="connsiteX2" fmla="*/ 534838 w 3683479"/>
+              <a:gd name="connsiteY2" fmla="*/ 138022 h 739997"/>
+              <a:gd name="connsiteX3" fmla="*/ 724619 w 3683479"/>
+              <a:gd name="connsiteY3" fmla="*/ 34505 h 739997"/>
+              <a:gd name="connsiteX4" fmla="*/ 923026 w 3683479"/>
+              <a:gd name="connsiteY4" fmla="*/ 17252 h 739997"/>
+              <a:gd name="connsiteX5" fmla="*/ 2812211 w 3683479"/>
+              <a:gd name="connsiteY5" fmla="*/ 0 h 739997"/>
+              <a:gd name="connsiteX6" fmla="*/ 3226279 w 3683479"/>
+              <a:gd name="connsiteY6" fmla="*/ 86264 h 739997"/>
+              <a:gd name="connsiteX7" fmla="*/ 3467819 w 3683479"/>
+              <a:gd name="connsiteY7" fmla="*/ 569343 h 739997"/>
+              <a:gd name="connsiteX8" fmla="*/ 3683479 w 3683479"/>
+              <a:gd name="connsiteY8" fmla="*/ 733245 h 739997"/>
+            </a:gdLst>
+            <a:ahLst/>
+            <a:cxnLst>
+              <a:cxn ang="0">
+                <a:pos x="connsiteX0" y="connsiteY0"/>
+              </a:cxn>
+              <a:cxn ang="0">
+                <a:pos x="connsiteX1" y="connsiteY1"/>
+              </a:cxn>
+              <a:cxn ang="0">
+                <a:pos x="connsiteX2" y="connsiteY2"/>
+              </a:cxn>
+              <a:cxn ang="0">
+                <a:pos x="connsiteX3" y="connsiteY3"/>
+              </a:cxn>
+              <a:cxn ang="0">
+                <a:pos x="connsiteX4" y="connsiteY4"/>
+              </a:cxn>
+              <a:cxn ang="0">
+                <a:pos x="connsiteX5" y="connsiteY5"/>
+              </a:cxn>
+              <a:cxn ang="0">
+                <a:pos x="connsiteX6" y="connsiteY6"/>
+              </a:cxn>
+              <a:cxn ang="0">
+                <a:pos x="connsiteX7" y="connsiteY7"/>
+              </a:cxn>
+              <a:cxn ang="0">
+                <a:pos x="connsiteX8" y="connsiteY8"/>
+              </a:cxn>
+            </a:cxnLst>
+            <a:rect l="l" t="t" r="r" b="b"/>
+            <a:pathLst>
+              <a:path w="3683479" h="739997">
+                <a:moveTo>
+                  <a:pt x="0" y="733245"/>
+                </a:moveTo>
+                <a:cubicBezTo>
+                  <a:pt x="76200" y="744028"/>
+                  <a:pt x="152400" y="754811"/>
+                  <a:pt x="241540" y="655607"/>
+                </a:cubicBezTo>
+                <a:cubicBezTo>
+                  <a:pt x="330680" y="556403"/>
+                  <a:pt x="454325" y="241539"/>
+                  <a:pt x="534838" y="138022"/>
+                </a:cubicBezTo>
+                <a:cubicBezTo>
+                  <a:pt x="615351" y="34505"/>
+                  <a:pt x="659921" y="54633"/>
+                  <a:pt x="724619" y="34505"/>
+                </a:cubicBezTo>
+                <a:cubicBezTo>
+                  <a:pt x="789317" y="14377"/>
+                  <a:pt x="923026" y="17252"/>
+                  <a:pt x="923026" y="17252"/>
+                </a:cubicBezTo>
+                <a:lnTo>
+                  <a:pt x="2812211" y="0"/>
+                </a:lnTo>
+                <a:cubicBezTo>
+                  <a:pt x="3196086" y="11502"/>
+                  <a:pt x="3117011" y="-8626"/>
+                  <a:pt x="3226279" y="86264"/>
+                </a:cubicBezTo>
+                <a:cubicBezTo>
+                  <a:pt x="3335547" y="181154"/>
+                  <a:pt x="3391619" y="461513"/>
+                  <a:pt x="3467819" y="569343"/>
+                </a:cubicBezTo>
+                <a:cubicBezTo>
+                  <a:pt x="3544019" y="677173"/>
+                  <a:pt x="3613749" y="705209"/>
+                  <a:pt x="3683479" y="733245"/>
+                </a:cubicBezTo>
+              </a:path>
+            </a:pathLst>
+          </a:custGeom>
+          <a:solidFill>
+            <a:srgbClr val="00B0F0"/>
+          </a:solidFill>
+          <a:ln w="38100">
+            <a:solidFill>
+              <a:schemeClr val="tx1"/>
+            </a:solidFill>
+          </a:ln>
+        </p:spPr>
+        <p:style>
+          <a:lnRef idx="2">
+            <a:schemeClr val="accent1">
+              <a:shade val="50000"/>
+            </a:schemeClr>
+          </a:lnRef>
+          <a:fillRef idx="1">
+            <a:schemeClr val="accent1"/>
+          </a:fillRef>
+          <a:effectRef idx="0">
+            <a:schemeClr val="accent1"/>
+          </a:effectRef>
+          <a:fontRef idx="minor">
+            <a:schemeClr val="lt1"/>
+          </a:fontRef>
+        </p:style>
+        <p:txBody>
+          <a:bodyPr rtlCol="0" anchor="ctr"/>
+          <a:lstStyle/>
+          <a:p>
+            <a:pPr algn="ctr"/>
+            <a:endParaRPr lang="en-US"/>
+          </a:p>
+        </p:txBody>
+      </p:sp>
+      <p:cxnSp>
+        <p:nvCxnSpPr>
+          <p:cNvPr id="34" name="Straight Arrow Connector 33">
+            <a:extLst>
+              <a:ext uri="{FF2B5EF4-FFF2-40B4-BE49-F238E27FC236}">
+                <a16:creationId xmlns:a16="http://schemas.microsoft.com/office/drawing/2014/main" id="{F4CEF390-DB92-2E5A-52AC-F6AE83DD5F82}"/>
+              </a:ext>
+            </a:extLst>
+          </p:cNvPr>
+          <p:cNvCxnSpPr>
+            <a:cxnSpLocks/>
+          </p:cNvCxnSpPr>
+          <p:nvPr/>
+        </p:nvCxnSpPr>
+        <p:spPr>
+          <a:xfrm>
+            <a:off x="3391619" y="3936521"/>
+            <a:ext cx="5512279" cy="0"/>
+          </a:xfrm>
+          <a:prstGeom prst="straightConnector1">
+            <a:avLst/>
+          </a:prstGeom>
+          <a:ln w="38100">
+            <a:solidFill>
+              <a:schemeClr val="tx1"/>
+            </a:solidFill>
+            <a:tailEnd type="triangle"/>
+          </a:ln>
+        </p:spPr>
+        <p:style>
+          <a:lnRef idx="1">
+            <a:schemeClr val="accent1"/>
+          </a:lnRef>
+          <a:fillRef idx="0">
+            <a:schemeClr val="accent1"/>
+          </a:fillRef>
+          <a:effectRef idx="0">
+            <a:schemeClr val="accent1"/>
+          </a:effectRef>
+          <a:fontRef idx="minor">
+            <a:schemeClr val="tx1"/>
+          </a:fontRef>
+        </p:style>
+      </p:cxnSp>
+      <p:sp>
+        <p:nvSpPr>
+          <p:cNvPr id="37" name="Freeform: Shape 36">
+            <a:extLst>
+              <a:ext uri="{FF2B5EF4-FFF2-40B4-BE49-F238E27FC236}">
+                <a16:creationId xmlns:a16="http://schemas.microsoft.com/office/drawing/2014/main" id="{90B52041-DC4A-0EC9-98CE-9C934E2F46E2}"/>
+              </a:ext>
+            </a:extLst>
+          </p:cNvPr>
+          <p:cNvSpPr/>
+          <p:nvPr/>
+        </p:nvSpPr>
+        <p:spPr>
+          <a:xfrm>
+            <a:off x="7086600" y="3586855"/>
+            <a:ext cx="693420" cy="349665"/>
+          </a:xfrm>
+          <a:custGeom>
+            <a:avLst/>
+            <a:gdLst>
+              <a:gd name="connsiteX0" fmla="*/ 0 w 845820"/>
+              <a:gd name="connsiteY0" fmla="*/ 366918 h 366918"/>
+              <a:gd name="connsiteX1" fmla="*/ 152400 w 845820"/>
+              <a:gd name="connsiteY1" fmla="*/ 283098 h 366918"/>
+              <a:gd name="connsiteX2" fmla="*/ 289560 w 845820"/>
+              <a:gd name="connsiteY2" fmla="*/ 46878 h 366918"/>
+              <a:gd name="connsiteX3" fmla="*/ 457200 w 845820"/>
+              <a:gd name="connsiteY3" fmla="*/ 1158 h 366918"/>
+              <a:gd name="connsiteX4" fmla="*/ 617220 w 845820"/>
+              <a:gd name="connsiteY4" fmla="*/ 24018 h 366918"/>
+              <a:gd name="connsiteX5" fmla="*/ 670560 w 845820"/>
+              <a:gd name="connsiteY5" fmla="*/ 130698 h 366918"/>
+              <a:gd name="connsiteX6" fmla="*/ 754380 w 845820"/>
+              <a:gd name="connsiteY6" fmla="*/ 290718 h 366918"/>
+              <a:gd name="connsiteX7" fmla="*/ 845820 w 845820"/>
+              <a:gd name="connsiteY7" fmla="*/ 359298 h 366918"/>
+            </a:gdLst>
+            <a:ahLst/>
+            <a:cxnLst>
+              <a:cxn ang="0">
+                <a:pos x="connsiteX0" y="connsiteY0"/>
+              </a:cxn>
+              <a:cxn ang="0">
+                <a:pos x="connsiteX1" y="connsiteY1"/>
+              </a:cxn>
+              <a:cxn ang="0">
+                <a:pos x="connsiteX2" y="connsiteY2"/>
+              </a:cxn>
+              <a:cxn ang="0">
+                <a:pos x="connsiteX3" y="connsiteY3"/>
+              </a:cxn>
+              <a:cxn ang="0">
+                <a:pos x="connsiteX4" y="connsiteY4"/>
+              </a:cxn>
+              <a:cxn ang="0">
+                <a:pos x="connsiteX5" y="connsiteY5"/>
+              </a:cxn>
+              <a:cxn ang="0">
+                <a:pos x="connsiteX6" y="connsiteY6"/>
+              </a:cxn>
+              <a:cxn ang="0">
+                <a:pos x="connsiteX7" y="connsiteY7"/>
+              </a:cxn>
+            </a:cxnLst>
+            <a:rect l="l" t="t" r="r" b="b"/>
+            <a:pathLst>
+              <a:path w="845820" h="366918">
+                <a:moveTo>
+                  <a:pt x="0" y="366918"/>
+                </a:moveTo>
+                <a:cubicBezTo>
+                  <a:pt x="52070" y="351678"/>
+                  <a:pt x="104140" y="336438"/>
+                  <a:pt x="152400" y="283098"/>
+                </a:cubicBezTo>
+                <a:cubicBezTo>
+                  <a:pt x="200660" y="229758"/>
+                  <a:pt x="238760" y="93868"/>
+                  <a:pt x="289560" y="46878"/>
+                </a:cubicBezTo>
+                <a:cubicBezTo>
+                  <a:pt x="340360" y="-112"/>
+                  <a:pt x="402590" y="4968"/>
+                  <a:pt x="457200" y="1158"/>
+                </a:cubicBezTo>
+                <a:cubicBezTo>
+                  <a:pt x="511810" y="-2652"/>
+                  <a:pt x="581660" y="2428"/>
+                  <a:pt x="617220" y="24018"/>
+                </a:cubicBezTo>
+                <a:cubicBezTo>
+                  <a:pt x="652780" y="45608"/>
+                  <a:pt x="647700" y="86248"/>
+                  <a:pt x="670560" y="130698"/>
+                </a:cubicBezTo>
+                <a:cubicBezTo>
+                  <a:pt x="693420" y="175148"/>
+                  <a:pt x="725170" y="252618"/>
+                  <a:pt x="754380" y="290718"/>
+                </a:cubicBezTo>
+                <a:cubicBezTo>
+                  <a:pt x="783590" y="328818"/>
+                  <a:pt x="814705" y="344058"/>
+                  <a:pt x="845820" y="359298"/>
+                </a:cubicBezTo>
+              </a:path>
+            </a:pathLst>
+          </a:custGeom>
+          <a:gradFill flip="none" rotWithShape="1">
+            <a:gsLst>
+              <a:gs pos="0">
+                <a:schemeClr val="accent1">
+                  <a:lumMod val="5000"/>
+                  <a:lumOff val="95000"/>
+                </a:schemeClr>
+              </a:gs>
+              <a:gs pos="42000">
+                <a:srgbClr val="FFC000"/>
+              </a:gs>
+              <a:gs pos="65000">
+                <a:srgbClr val="00B050"/>
+              </a:gs>
+              <a:gs pos="100000">
+                <a:schemeClr val="accent1">
+                  <a:lumMod val="30000"/>
+                  <a:lumOff val="70000"/>
+                </a:schemeClr>
+              </a:gs>
+            </a:gsLst>
+            <a:lin ang="13500000" scaled="1"/>
+            <a:tileRect/>
+          </a:gradFill>
+          <a:ln w="38100">
+            <a:solidFill>
+              <a:schemeClr val="tx1"/>
+            </a:solidFill>
+          </a:ln>
+        </p:spPr>
+        <p:style>
+          <a:lnRef idx="2">
+            <a:schemeClr val="accent1">
+              <a:shade val="50000"/>
+            </a:schemeClr>
+          </a:lnRef>
+          <a:fillRef idx="1">
+            <a:schemeClr val="accent1"/>
+          </a:fillRef>
+          <a:effectRef idx="0">
+            <a:schemeClr val="accent1"/>
+          </a:effectRef>
+          <a:fontRef idx="minor">
+            <a:schemeClr val="lt1"/>
+          </a:fontRef>
+        </p:style>
+        <p:txBody>
+          <a:bodyPr rtlCol="0" anchor="ctr"/>
+          <a:lstStyle/>
+          <a:p>
+            <a:pPr algn="ctr"/>
+            <a:endParaRPr lang="en-US" b="1">
+              <a:ln w="12700">
+                <a:solidFill>
+                  <a:schemeClr val="tx2">
+                    <a:lumMod val="75000"/>
+                  </a:schemeClr>
+                </a:solidFill>
+                <a:prstDash val="solid"/>
+              </a:ln>
+              <a:pattFill prst="dkUpDiag">
+                <a:fgClr>
+                  <a:schemeClr val="tx2"/>
+                </a:fgClr>
+                <a:bgClr>
+                  <a:schemeClr val="tx2">
+                    <a:lumMod val="20000"/>
+                    <a:lumOff val="80000"/>
+                  </a:schemeClr>
+                </a:bgClr>
+              </a:pattFill>
+              <a:effectLst>
+                <a:outerShdw dist="38100" dir="2640000" algn="bl" rotWithShape="0">
+                  <a:schemeClr val="tx2">
+                    <a:lumMod val="75000"/>
+                  </a:schemeClr>
+                </a:outerShdw>
+              </a:effectLst>
+            </a:endParaRPr>
+          </a:p>
+        </p:txBody>
+      </p:sp>
+      <mc:AlternateContent xmlns:mc="http://schemas.openxmlformats.org/markup-compatibility/2006">
+        <mc:Choice xmlns:a14="http://schemas.microsoft.com/office/drawing/2010/main" Requires="a14">
+          <p:sp>
+            <p:nvSpPr>
+              <p:cNvPr id="38" name="TextBox 37">
+                <a:extLst>
+                  <a:ext uri="{FF2B5EF4-FFF2-40B4-BE49-F238E27FC236}">
+                    <a16:creationId xmlns:a16="http://schemas.microsoft.com/office/drawing/2014/main" id="{090662F1-201C-4EBF-712F-418D54B605E1}"/>
+                  </a:ext>
+                </a:extLst>
+              </p:cNvPr>
+              <p:cNvSpPr txBox="1"/>
+              <p:nvPr/>
+            </p:nvSpPr>
+            <p:spPr>
+              <a:xfrm>
+                <a:off x="8967598" y="2658005"/>
+                <a:ext cx="542584" cy="492443"/>
+              </a:xfrm>
+              <a:prstGeom prst="rect">
+                <a:avLst/>
+              </a:prstGeom>
+              <a:noFill/>
+            </p:spPr>
+            <p:txBody>
+              <a:bodyPr wrap="none" lIns="0" tIns="0" rIns="0" bIns="0" rtlCol="0">
+                <a:spAutoFit/>
+              </a:bodyPr>
+              <a:lstStyle/>
+              <a:p>
+                <a14:m>
+                  <m:oMathPara xmlns:m="http://schemas.openxmlformats.org/officeDocument/2006/math">
+                    <m:oMathParaPr>
+                      <m:jc m:val="centerGroup"/>
+                    </m:oMathParaPr>
+                    <m:oMath xmlns:m="http://schemas.openxmlformats.org/officeDocument/2006/math">
+                      <m:sSub>
+                        <m:sSubPr>
+                          <m:ctrlPr>
+                            <a:rPr lang="en-US" sz="3200" i="1" smtClean="0">
+                              <a:latin typeface="Cambria Math" panose="02040503050406030204" pitchFamily="18" charset="0"/>
+                            </a:rPr>
+                          </m:ctrlPr>
+                        </m:sSubPr>
+                        <m:e>
+                          <m:r>
+                            <a:rPr lang="en-US" sz="3200" i="1" smtClean="0">
+                              <a:latin typeface="Cambria Math" panose="02040503050406030204" pitchFamily="18" charset="0"/>
+                              <a:ea typeface="Cambria Math" panose="02040503050406030204" pitchFamily="18" charset="0"/>
+                            </a:rPr>
+                            <m:t>𝜔</m:t>
+                          </m:r>
+                        </m:e>
+                        <m:sub>
+                          <m:r>
+                            <a:rPr lang="en-US" sz="3200" b="0" i="1" smtClean="0">
+                              <a:latin typeface="Cambria Math" panose="02040503050406030204" pitchFamily="18" charset="0"/>
+                            </a:rPr>
+                            <m:t>𝑠</m:t>
+                          </m:r>
+                        </m:sub>
+                      </m:sSub>
+                    </m:oMath>
+                  </m:oMathPara>
+                </a14:m>
+                <a:endParaRPr lang="en-US" sz="3200" dirty="0"/>
+              </a:p>
+            </p:txBody>
+          </p:sp>
+        </mc:Choice>
+        <mc:Fallback>
+          <p:sp>
+            <p:nvSpPr>
+              <p:cNvPr id="38" name="TextBox 37">
+                <a:extLst>
+                  <a:ext uri="{FF2B5EF4-FFF2-40B4-BE49-F238E27FC236}">
+                    <a16:creationId xmlns:a16="http://schemas.microsoft.com/office/drawing/2014/main" id="{090662F1-201C-4EBF-712F-418D54B605E1}"/>
+                  </a:ext>
+                </a:extLst>
+              </p:cNvPr>
+              <p:cNvSpPr txBox="1">
+                <a:spLocks noRot="1" noChangeAspect="1" noMove="1" noResize="1" noEditPoints="1" noAdjustHandles="1" noChangeArrowheads="1" noChangeShapeType="1" noTextEdit="1"/>
+              </p:cNvSpPr>
+              <p:nvPr/>
+            </p:nvSpPr>
+            <p:spPr>
+              <a:xfrm>
+                <a:off x="8967598" y="2658005"/>
+                <a:ext cx="542584" cy="492443"/>
+              </a:xfrm>
+              <a:prstGeom prst="rect">
+                <a:avLst/>
+              </a:prstGeom>
+              <a:blipFill>
+                <a:blip r:embed="rId2"/>
+                <a:stretch>
+                  <a:fillRect/>
+                </a:stretch>
+              </a:blipFill>
+            </p:spPr>
+            <p:txBody>
+              <a:bodyPr/>
+              <a:lstStyle/>
+              <a:p>
+                <a:r>
+                  <a:rPr lang="en-US">
+                    <a:noFill/>
+                  </a:rPr>
+                  <a:t> </a:t>
+                </a:r>
+              </a:p>
+            </p:txBody>
+          </p:sp>
+        </mc:Fallback>
+      </mc:AlternateContent>
+      <mc:AlternateContent xmlns:mc="http://schemas.openxmlformats.org/markup-compatibility/2006">
+        <mc:Choice xmlns:a14="http://schemas.microsoft.com/office/drawing/2010/main" Requires="a14">
+          <p:sp>
+            <p:nvSpPr>
+              <p:cNvPr id="39" name="TextBox 38">
+                <a:extLst>
+                  <a:ext uri="{FF2B5EF4-FFF2-40B4-BE49-F238E27FC236}">
+                    <a16:creationId xmlns:a16="http://schemas.microsoft.com/office/drawing/2014/main" id="{AF7B5BDD-9990-BD91-2A45-D8879DB404BA}"/>
+                  </a:ext>
+                </a:extLst>
+              </p:cNvPr>
+              <p:cNvSpPr txBox="1"/>
+              <p:nvPr/>
+            </p:nvSpPr>
+            <p:spPr>
+              <a:xfrm>
+                <a:off x="8967598" y="3658394"/>
+                <a:ext cx="781752" cy="464101"/>
+              </a:xfrm>
+              <a:prstGeom prst="rect">
+                <a:avLst/>
+              </a:prstGeom>
+              <a:noFill/>
+            </p:spPr>
+            <p:txBody>
+              <a:bodyPr wrap="none" lIns="0" tIns="0" rIns="0" bIns="0" rtlCol="0">
+                <a:spAutoFit/>
+              </a:bodyPr>
+              <a:lstStyle/>
+              <a:p>
+                <a14:m>
+                  <m:oMathPara xmlns:m="http://schemas.openxmlformats.org/officeDocument/2006/math">
+                    <m:oMathParaPr>
+                      <m:jc m:val="centerGroup"/>
+                    </m:oMathParaPr>
+                    <m:oMath xmlns:m="http://schemas.openxmlformats.org/officeDocument/2006/math">
+                      <m:sSub>
+                        <m:sSubPr>
+                          <m:ctrlPr>
+                            <a:rPr lang="en-US" sz="2800" i="1" smtClean="0">
+                              <a:latin typeface="Cambria Math" panose="02040503050406030204" pitchFamily="18" charset="0"/>
+                            </a:rPr>
+                          </m:ctrlPr>
+                        </m:sSubPr>
+                        <m:e>
+                          <m:r>
+                            <a:rPr lang="en-US" sz="2800" i="1" smtClean="0">
+                              <a:latin typeface="Cambria Math" panose="02040503050406030204" pitchFamily="18" charset="0"/>
+                              <a:ea typeface="Cambria Math" panose="02040503050406030204" pitchFamily="18" charset="0"/>
+                            </a:rPr>
+                            <m:t>𝜔</m:t>
+                          </m:r>
+                        </m:e>
+                        <m:sub>
+                          <m:r>
+                            <a:rPr lang="en-US" sz="2800" b="0" i="1" smtClean="0">
+                              <a:latin typeface="Cambria Math" panose="02040503050406030204" pitchFamily="18" charset="0"/>
+                            </a:rPr>
+                            <m:t>𝑐𝑞𝑟</m:t>
+                          </m:r>
+                        </m:sub>
+                      </m:sSub>
+                    </m:oMath>
+                  </m:oMathPara>
+                </a14:m>
+                <a:endParaRPr lang="en-US" sz="2800" dirty="0"/>
+              </a:p>
+            </p:txBody>
+          </p:sp>
+        </mc:Choice>
+        <mc:Fallback>
+          <p:sp>
+            <p:nvSpPr>
+              <p:cNvPr id="39" name="TextBox 38">
+                <a:extLst>
+                  <a:ext uri="{FF2B5EF4-FFF2-40B4-BE49-F238E27FC236}">
+                    <a16:creationId xmlns:a16="http://schemas.microsoft.com/office/drawing/2014/main" id="{AF7B5BDD-9990-BD91-2A45-D8879DB404BA}"/>
+                  </a:ext>
+                </a:extLst>
+              </p:cNvPr>
+              <p:cNvSpPr txBox="1">
+                <a:spLocks noRot="1" noChangeAspect="1" noMove="1" noResize="1" noEditPoints="1" noAdjustHandles="1" noChangeArrowheads="1" noChangeShapeType="1" noTextEdit="1"/>
+              </p:cNvSpPr>
+              <p:nvPr/>
+            </p:nvSpPr>
+            <p:spPr>
+              <a:xfrm>
+                <a:off x="8967598" y="3658394"/>
+                <a:ext cx="781752" cy="464101"/>
+              </a:xfrm>
+              <a:prstGeom prst="rect">
+                <a:avLst/>
+              </a:prstGeom>
+              <a:blipFill>
+                <a:blip r:embed="rId3"/>
+                <a:stretch>
+                  <a:fillRect/>
+                </a:stretch>
+              </a:blipFill>
+            </p:spPr>
+            <p:txBody>
+              <a:bodyPr/>
+              <a:lstStyle/>
+              <a:p>
+                <a:r>
+                  <a:rPr lang="en-US">
+                    <a:noFill/>
+                  </a:rPr>
+                  <a:t> </a:t>
+                </a:r>
+              </a:p>
+            </p:txBody>
+          </p:sp>
+        </mc:Fallback>
+      </mc:AlternateContent>
+      <p:cxnSp>
+        <p:nvCxnSpPr>
+          <p:cNvPr id="42" name="Straight Connector 41">
+            <a:extLst>
+              <a:ext uri="{FF2B5EF4-FFF2-40B4-BE49-F238E27FC236}">
+                <a16:creationId xmlns:a16="http://schemas.microsoft.com/office/drawing/2014/main" id="{0C7B3DA7-191A-71AD-5EF8-9AB4CC4BFCFD}"/>
+              </a:ext>
+            </a:extLst>
+          </p:cNvPr>
+          <p:cNvCxnSpPr/>
+          <p:nvPr/>
+        </p:nvCxnSpPr>
+        <p:spPr>
+          <a:xfrm>
+            <a:off x="6888480" y="1805940"/>
+            <a:ext cx="0" cy="2316555"/>
+          </a:xfrm>
+          <a:prstGeom prst="line">
+            <a:avLst/>
+          </a:prstGeom>
+          <a:ln w="38100">
+            <a:solidFill>
+              <a:schemeClr val="tx1"/>
+            </a:solidFill>
+            <a:prstDash val="dash"/>
+          </a:ln>
+        </p:spPr>
+        <p:style>
+          <a:lnRef idx="1">
+            <a:schemeClr val="accent1"/>
+          </a:lnRef>
+          <a:fillRef idx="0">
+            <a:schemeClr val="accent1"/>
+          </a:fillRef>
+          <a:effectRef idx="0">
+            <a:schemeClr val="accent1"/>
+          </a:effectRef>
+          <a:fontRef idx="minor">
+            <a:schemeClr val="tx1"/>
+          </a:fontRef>
+        </p:style>
+      </p:cxnSp>
+      <p:cxnSp>
+        <p:nvCxnSpPr>
+          <p:cNvPr id="43" name="Straight Connector 42">
+            <a:extLst>
+              <a:ext uri="{FF2B5EF4-FFF2-40B4-BE49-F238E27FC236}">
+                <a16:creationId xmlns:a16="http://schemas.microsoft.com/office/drawing/2014/main" id="{ADAA5347-94C1-6403-F6CE-01F1581DEEFE}"/>
+              </a:ext>
+            </a:extLst>
+          </p:cNvPr>
+          <p:cNvCxnSpPr/>
+          <p:nvPr/>
+        </p:nvCxnSpPr>
+        <p:spPr>
+          <a:xfrm>
+            <a:off x="4732020" y="1805940"/>
+            <a:ext cx="0" cy="2316555"/>
+          </a:xfrm>
+          <a:prstGeom prst="line">
+            <a:avLst/>
+          </a:prstGeom>
+          <a:ln w="38100">
+            <a:solidFill>
+              <a:schemeClr val="tx1"/>
+            </a:solidFill>
+            <a:prstDash val="dash"/>
+          </a:ln>
+        </p:spPr>
+        <p:style>
+          <a:lnRef idx="1">
+            <a:schemeClr val="accent1"/>
+          </a:lnRef>
+          <a:fillRef idx="0">
+            <a:schemeClr val="accent1"/>
+          </a:fillRef>
+          <a:effectRef idx="0">
+            <a:schemeClr val="accent1"/>
+          </a:effectRef>
+          <a:fontRef idx="minor">
+            <a:schemeClr val="tx1"/>
+          </a:fontRef>
+        </p:style>
+      </p:cxnSp>
+      <p:cxnSp>
+        <p:nvCxnSpPr>
+          <p:cNvPr id="46" name="Straight Arrow Connector 45">
+            <a:extLst>
+              <a:ext uri="{FF2B5EF4-FFF2-40B4-BE49-F238E27FC236}">
+                <a16:creationId xmlns:a16="http://schemas.microsoft.com/office/drawing/2014/main" id="{29CFAAB7-70CA-2CF0-0303-A8F84A9E6D04}"/>
+              </a:ext>
+            </a:extLst>
+          </p:cNvPr>
+          <p:cNvCxnSpPr>
+            <a:cxnSpLocks/>
+          </p:cNvCxnSpPr>
+          <p:nvPr/>
+        </p:nvCxnSpPr>
+        <p:spPr>
+          <a:xfrm>
+            <a:off x="4800600" y="3761687"/>
+            <a:ext cx="2034540" cy="0"/>
+          </a:xfrm>
+          <a:prstGeom prst="straightConnector1">
+            <a:avLst/>
+          </a:prstGeom>
+          <a:ln w="28575">
+            <a:solidFill>
+              <a:schemeClr val="tx1"/>
+            </a:solidFill>
+            <a:headEnd type="triangle"/>
+            <a:tailEnd type="triangle"/>
+          </a:ln>
+        </p:spPr>
+        <p:style>
+          <a:lnRef idx="1">
+            <a:schemeClr val="accent1"/>
+          </a:lnRef>
+          <a:fillRef idx="0">
+            <a:schemeClr val="accent1"/>
+          </a:fillRef>
+          <a:effectRef idx="0">
+            <a:schemeClr val="accent1"/>
+          </a:effectRef>
+          <a:fontRef idx="minor">
+            <a:schemeClr val="tx1"/>
+          </a:fontRef>
+        </p:style>
+      </p:cxnSp>
+      <p:sp>
+        <p:nvSpPr>
+          <p:cNvPr id="44" name="TextBox 43">
+            <a:extLst>
+              <a:ext uri="{FF2B5EF4-FFF2-40B4-BE49-F238E27FC236}">
+                <a16:creationId xmlns:a16="http://schemas.microsoft.com/office/drawing/2014/main" id="{2D169AA6-1952-EFCB-BB1D-BDF1DE49839E}"/>
+              </a:ext>
+            </a:extLst>
+          </p:cNvPr>
+          <p:cNvSpPr txBox="1"/>
+          <p:nvPr/>
+        </p:nvSpPr>
+        <p:spPr>
+          <a:xfrm>
+            <a:off x="4993498" y="3521112"/>
+            <a:ext cx="1616853" cy="369332"/>
+          </a:xfrm>
+          <a:prstGeom prst="rect">
+            <a:avLst/>
+          </a:prstGeom>
+          <a:solidFill>
+            <a:schemeClr val="bg1"/>
+          </a:solidFill>
+        </p:spPr>
+        <p:txBody>
+          <a:bodyPr wrap="none" rtlCol="0">
+            <a:spAutoFit/>
+          </a:bodyPr>
+          <a:lstStyle/>
+          <a:p>
+            <a:r>
+              <a:rPr lang="en-US" dirty="0"/>
+              <a:t>cooldown time</a:t>
+            </a:r>
+          </a:p>
+        </p:txBody>
+      </p:sp>
+    </p:spTree>
+    <p:extLst>
+      <p:ext uri="{BB962C8B-B14F-4D97-AF65-F5344CB8AC3E}">
+        <p14:creationId xmlns:p14="http://schemas.microsoft.com/office/powerpoint/2010/main" val="394436109"/>
+      </p:ext>
+    </p:extLst>
+  </p:cSld>
+  <p:clrMapOvr>
+    <a:masterClrMapping/>
+  </p:clrMapOvr>
+</p:sld>
+</file>
+
 <file path=ppt/theme/theme1.xml><?xml version="1.0" encoding="utf-8"?>
 <a:theme xmlns:a="http://schemas.openxmlformats.org/drawingml/2006/main" name="Office Theme">
   <a:themeElements>

--- a/Quantum-Control-Applications/Superconducting/Kerr-Cat SNAIL-mon/Use Case 2 - QuLAB - Kerr-Cat/Grimm_Frattini_Fig1.pptx
+++ b/Quantum-Control-Applications/Superconducting/Kerr-Cat SNAIL-mon/Use Case 2 - QuLAB - Kerr-Cat/Grimm_Frattini_Fig1.pptx
@@ -7,6 +7,8 @@
   <p:sldIdLst>
     <p:sldId id="256" r:id="rId2"/>
     <p:sldId id="257" r:id="rId3"/>
+    <p:sldId id="258" r:id="rId4"/>
+    <p:sldId id="259" r:id="rId5"/>
   </p:sldIdLst>
   <p:sldSz cx="12192000" cy="6858000"/>
   <p:notesSz cx="6858000" cy="9144000"/>
@@ -3815,8 +3817,8 @@
           </a:p>
         </p:txBody>
       </p:sp>
-      <mc:AlternateContent xmlns:mc="http://schemas.openxmlformats.org/markup-compatibility/2006">
-        <mc:Choice xmlns:a14="http://schemas.microsoft.com/office/drawing/2010/main" Requires="a14">
+      <mc:AlternateContent xmlns:mc="http://schemas.openxmlformats.org/markup-compatibility/2006" xmlns:a14="http://schemas.microsoft.com/office/drawing/2010/main">
+        <mc:Choice Requires="a14">
           <p:sp>
             <p:nvSpPr>
               <p:cNvPr id="38" name="TextBox 37">
@@ -3845,6 +3847,7 @@
               </a:bodyPr>
               <a:lstStyle/>
               <a:p>
+                <a:pPr/>
                 <a14:m>
                   <m:oMathPara xmlns:m="http://schemas.openxmlformats.org/officeDocument/2006/math">
                     <m:oMathParaPr>
@@ -3885,7 +3888,7 @@
             </p:txBody>
           </p:sp>
         </mc:Choice>
-        <mc:Fallback>
+        <mc:Fallback xmlns="">
           <p:sp>
             <p:nvSpPr>
               <p:cNvPr id="38" name="TextBox 37">
@@ -3930,8 +3933,8 @@
           </p:sp>
         </mc:Fallback>
       </mc:AlternateContent>
-      <mc:AlternateContent xmlns:mc="http://schemas.openxmlformats.org/markup-compatibility/2006">
-        <mc:Choice xmlns:a14="http://schemas.microsoft.com/office/drawing/2010/main" Requires="a14">
+      <mc:AlternateContent xmlns:mc="http://schemas.openxmlformats.org/markup-compatibility/2006" xmlns:a14="http://schemas.microsoft.com/office/drawing/2010/main">
+        <mc:Choice Requires="a14">
           <p:sp>
             <p:nvSpPr>
               <p:cNvPr id="39" name="TextBox 38">
@@ -3960,6 +3963,7 @@
               </a:bodyPr>
               <a:lstStyle/>
               <a:p>
+                <a:pPr/>
                 <a14:m>
                   <m:oMathPara xmlns:m="http://schemas.openxmlformats.org/officeDocument/2006/math">
                     <m:oMathParaPr>
@@ -4000,7 +4004,7 @@
             </p:txBody>
           </p:sp>
         </mc:Choice>
-        <mc:Fallback>
+        <mc:Fallback xmlns="">
           <p:sp>
             <p:nvSpPr>
               <p:cNvPr id="39" name="TextBox 38">
@@ -4215,6 +4219,2208 @@
     <p:extLst>
       <p:ext uri="{BB962C8B-B14F-4D97-AF65-F5344CB8AC3E}">
         <p14:creationId xmlns:p14="http://schemas.microsoft.com/office/powerpoint/2010/main" val="394436109"/>
+      </p:ext>
+    </p:extLst>
+  </p:cSld>
+  <p:clrMapOvr>
+    <a:masterClrMapping/>
+  </p:clrMapOvr>
+</p:sld>
+</file>
+
+<file path=ppt/slides/slide3.xml><?xml version="1.0" encoding="utf-8"?>
+<p:sld xmlns:a="http://schemas.openxmlformats.org/drawingml/2006/main" xmlns:r="http://schemas.openxmlformats.org/officeDocument/2006/relationships" xmlns:p="http://schemas.openxmlformats.org/presentationml/2006/main">
+  <p:cSld>
+    <p:spTree>
+      <p:nvGrpSpPr>
+        <p:cNvPr id="1" name=""/>
+        <p:cNvGrpSpPr/>
+        <p:nvPr/>
+      </p:nvGrpSpPr>
+      <p:grpSpPr>
+        <a:xfrm>
+          <a:off x="0" y="0"/>
+          <a:ext cx="0" cy="0"/>
+          <a:chOff x="0" y="0"/>
+          <a:chExt cx="0" cy="0"/>
+        </a:xfrm>
+      </p:grpSpPr>
+      <p:cxnSp>
+        <p:nvCxnSpPr>
+          <p:cNvPr id="4" name="Straight Arrow Connector 3">
+            <a:extLst>
+              <a:ext uri="{FF2B5EF4-FFF2-40B4-BE49-F238E27FC236}">
+                <a16:creationId xmlns:a16="http://schemas.microsoft.com/office/drawing/2014/main" id="{E1D0DFFA-C3BD-0A23-9E81-EBB726470237}"/>
+              </a:ext>
+            </a:extLst>
+          </p:cNvPr>
+          <p:cNvCxnSpPr>
+            <a:cxnSpLocks/>
+          </p:cNvCxnSpPr>
+          <p:nvPr/>
+        </p:nvCxnSpPr>
+        <p:spPr>
+          <a:xfrm>
+            <a:off x="2786332" y="2904227"/>
+            <a:ext cx="6117566" cy="0"/>
+          </a:xfrm>
+          <a:prstGeom prst="straightConnector1">
+            <a:avLst/>
+          </a:prstGeom>
+          <a:ln w="38100">
+            <a:solidFill>
+              <a:schemeClr val="tx1"/>
+            </a:solidFill>
+            <a:tailEnd type="triangle"/>
+          </a:ln>
+        </p:spPr>
+        <p:style>
+          <a:lnRef idx="1">
+            <a:schemeClr val="accent1"/>
+          </a:lnRef>
+          <a:fillRef idx="0">
+            <a:schemeClr val="accent1"/>
+          </a:fillRef>
+          <a:effectRef idx="0">
+            <a:schemeClr val="accent1"/>
+          </a:effectRef>
+          <a:fontRef idx="minor">
+            <a:schemeClr val="tx1"/>
+          </a:fontRef>
+        </p:style>
+      </p:cxnSp>
+      <p:sp>
+        <p:nvSpPr>
+          <p:cNvPr id="5" name="Freeform: Shape 4">
+            <a:extLst>
+              <a:ext uri="{FF2B5EF4-FFF2-40B4-BE49-F238E27FC236}">
+                <a16:creationId xmlns:a16="http://schemas.microsoft.com/office/drawing/2014/main" id="{CDBF0114-F873-B669-0A07-FFF6A8D8F21F}"/>
+              </a:ext>
+            </a:extLst>
+          </p:cNvPr>
+          <p:cNvSpPr/>
+          <p:nvPr/>
+        </p:nvSpPr>
+        <p:spPr>
+          <a:xfrm>
+            <a:off x="3131391" y="2164230"/>
+            <a:ext cx="5201726" cy="739997"/>
+          </a:xfrm>
+          <a:custGeom>
+            <a:avLst/>
+            <a:gdLst>
+              <a:gd name="connsiteX0" fmla="*/ 0 w 3683479"/>
+              <a:gd name="connsiteY0" fmla="*/ 733245 h 739997"/>
+              <a:gd name="connsiteX1" fmla="*/ 241540 w 3683479"/>
+              <a:gd name="connsiteY1" fmla="*/ 655607 h 739997"/>
+              <a:gd name="connsiteX2" fmla="*/ 534838 w 3683479"/>
+              <a:gd name="connsiteY2" fmla="*/ 138022 h 739997"/>
+              <a:gd name="connsiteX3" fmla="*/ 724619 w 3683479"/>
+              <a:gd name="connsiteY3" fmla="*/ 34505 h 739997"/>
+              <a:gd name="connsiteX4" fmla="*/ 923026 w 3683479"/>
+              <a:gd name="connsiteY4" fmla="*/ 17252 h 739997"/>
+              <a:gd name="connsiteX5" fmla="*/ 2812211 w 3683479"/>
+              <a:gd name="connsiteY5" fmla="*/ 0 h 739997"/>
+              <a:gd name="connsiteX6" fmla="*/ 3226279 w 3683479"/>
+              <a:gd name="connsiteY6" fmla="*/ 86264 h 739997"/>
+              <a:gd name="connsiteX7" fmla="*/ 3467819 w 3683479"/>
+              <a:gd name="connsiteY7" fmla="*/ 569343 h 739997"/>
+              <a:gd name="connsiteX8" fmla="*/ 3683479 w 3683479"/>
+              <a:gd name="connsiteY8" fmla="*/ 733245 h 739997"/>
+            </a:gdLst>
+            <a:ahLst/>
+            <a:cxnLst>
+              <a:cxn ang="0">
+                <a:pos x="connsiteX0" y="connsiteY0"/>
+              </a:cxn>
+              <a:cxn ang="0">
+                <a:pos x="connsiteX1" y="connsiteY1"/>
+              </a:cxn>
+              <a:cxn ang="0">
+                <a:pos x="connsiteX2" y="connsiteY2"/>
+              </a:cxn>
+              <a:cxn ang="0">
+                <a:pos x="connsiteX3" y="connsiteY3"/>
+              </a:cxn>
+              <a:cxn ang="0">
+                <a:pos x="connsiteX4" y="connsiteY4"/>
+              </a:cxn>
+              <a:cxn ang="0">
+                <a:pos x="connsiteX5" y="connsiteY5"/>
+              </a:cxn>
+              <a:cxn ang="0">
+                <a:pos x="connsiteX6" y="connsiteY6"/>
+              </a:cxn>
+              <a:cxn ang="0">
+                <a:pos x="connsiteX7" y="connsiteY7"/>
+              </a:cxn>
+              <a:cxn ang="0">
+                <a:pos x="connsiteX8" y="connsiteY8"/>
+              </a:cxn>
+            </a:cxnLst>
+            <a:rect l="l" t="t" r="r" b="b"/>
+            <a:pathLst>
+              <a:path w="3683479" h="739997">
+                <a:moveTo>
+                  <a:pt x="0" y="733245"/>
+                </a:moveTo>
+                <a:cubicBezTo>
+                  <a:pt x="76200" y="744028"/>
+                  <a:pt x="152400" y="754811"/>
+                  <a:pt x="241540" y="655607"/>
+                </a:cubicBezTo>
+                <a:cubicBezTo>
+                  <a:pt x="330680" y="556403"/>
+                  <a:pt x="454325" y="241539"/>
+                  <a:pt x="534838" y="138022"/>
+                </a:cubicBezTo>
+                <a:cubicBezTo>
+                  <a:pt x="615351" y="34505"/>
+                  <a:pt x="659921" y="54633"/>
+                  <a:pt x="724619" y="34505"/>
+                </a:cubicBezTo>
+                <a:cubicBezTo>
+                  <a:pt x="789317" y="14377"/>
+                  <a:pt x="923026" y="17252"/>
+                  <a:pt x="923026" y="17252"/>
+                </a:cubicBezTo>
+                <a:lnTo>
+                  <a:pt x="2812211" y="0"/>
+                </a:lnTo>
+                <a:cubicBezTo>
+                  <a:pt x="3196086" y="11502"/>
+                  <a:pt x="3117011" y="-8626"/>
+                  <a:pt x="3226279" y="86264"/>
+                </a:cubicBezTo>
+                <a:cubicBezTo>
+                  <a:pt x="3335547" y="181154"/>
+                  <a:pt x="3391619" y="461513"/>
+                  <a:pt x="3467819" y="569343"/>
+                </a:cubicBezTo>
+                <a:cubicBezTo>
+                  <a:pt x="3544019" y="677173"/>
+                  <a:pt x="3613749" y="705209"/>
+                  <a:pt x="3683479" y="733245"/>
+                </a:cubicBezTo>
+              </a:path>
+            </a:pathLst>
+          </a:custGeom>
+          <a:solidFill>
+            <a:srgbClr val="00B0F0"/>
+          </a:solidFill>
+          <a:ln w="38100">
+            <a:solidFill>
+              <a:schemeClr val="tx1"/>
+            </a:solidFill>
+          </a:ln>
+        </p:spPr>
+        <p:style>
+          <a:lnRef idx="2">
+            <a:schemeClr val="accent1">
+              <a:shade val="50000"/>
+            </a:schemeClr>
+          </a:lnRef>
+          <a:fillRef idx="1">
+            <a:schemeClr val="accent1"/>
+          </a:fillRef>
+          <a:effectRef idx="0">
+            <a:schemeClr val="accent1"/>
+          </a:effectRef>
+          <a:fontRef idx="minor">
+            <a:schemeClr val="lt1"/>
+          </a:fontRef>
+        </p:style>
+        <p:txBody>
+          <a:bodyPr rtlCol="0" anchor="ctr"/>
+          <a:lstStyle/>
+          <a:p>
+            <a:pPr algn="ctr"/>
+            <a:endParaRPr lang="en-US"/>
+          </a:p>
+        </p:txBody>
+      </p:sp>
+      <p:cxnSp>
+        <p:nvCxnSpPr>
+          <p:cNvPr id="6" name="Straight Arrow Connector 5">
+            <a:extLst>
+              <a:ext uri="{FF2B5EF4-FFF2-40B4-BE49-F238E27FC236}">
+                <a16:creationId xmlns:a16="http://schemas.microsoft.com/office/drawing/2014/main" id="{99CBBE59-29CB-307E-9B93-92E79047E960}"/>
+              </a:ext>
+            </a:extLst>
+          </p:cNvPr>
+          <p:cNvCxnSpPr>
+            <a:cxnSpLocks/>
+          </p:cNvCxnSpPr>
+          <p:nvPr/>
+        </p:nvCxnSpPr>
+        <p:spPr>
+          <a:xfrm>
+            <a:off x="2786332" y="3936521"/>
+            <a:ext cx="6117566" cy="0"/>
+          </a:xfrm>
+          <a:prstGeom prst="straightConnector1">
+            <a:avLst/>
+          </a:prstGeom>
+          <a:ln w="38100">
+            <a:solidFill>
+              <a:schemeClr val="tx1"/>
+            </a:solidFill>
+            <a:tailEnd type="triangle"/>
+          </a:ln>
+        </p:spPr>
+        <p:style>
+          <a:lnRef idx="1">
+            <a:schemeClr val="accent1"/>
+          </a:lnRef>
+          <a:fillRef idx="0">
+            <a:schemeClr val="accent1"/>
+          </a:fillRef>
+          <a:effectRef idx="0">
+            <a:schemeClr val="accent1"/>
+          </a:effectRef>
+          <a:fontRef idx="minor">
+            <a:schemeClr val="tx1"/>
+          </a:fontRef>
+        </p:style>
+      </p:cxnSp>
+      <p:sp>
+        <p:nvSpPr>
+          <p:cNvPr id="7" name="Freeform: Shape 6">
+            <a:extLst>
+              <a:ext uri="{FF2B5EF4-FFF2-40B4-BE49-F238E27FC236}">
+                <a16:creationId xmlns:a16="http://schemas.microsoft.com/office/drawing/2014/main" id="{AB9E660D-26FA-E020-DA43-098F06123A8B}"/>
+              </a:ext>
+            </a:extLst>
+          </p:cNvPr>
+          <p:cNvSpPr/>
+          <p:nvPr/>
+        </p:nvSpPr>
+        <p:spPr>
+          <a:xfrm>
+            <a:off x="6251211" y="3586855"/>
+            <a:ext cx="693420" cy="349665"/>
+          </a:xfrm>
+          <a:custGeom>
+            <a:avLst/>
+            <a:gdLst>
+              <a:gd name="connsiteX0" fmla="*/ 0 w 845820"/>
+              <a:gd name="connsiteY0" fmla="*/ 366918 h 366918"/>
+              <a:gd name="connsiteX1" fmla="*/ 152400 w 845820"/>
+              <a:gd name="connsiteY1" fmla="*/ 283098 h 366918"/>
+              <a:gd name="connsiteX2" fmla="*/ 289560 w 845820"/>
+              <a:gd name="connsiteY2" fmla="*/ 46878 h 366918"/>
+              <a:gd name="connsiteX3" fmla="*/ 457200 w 845820"/>
+              <a:gd name="connsiteY3" fmla="*/ 1158 h 366918"/>
+              <a:gd name="connsiteX4" fmla="*/ 617220 w 845820"/>
+              <a:gd name="connsiteY4" fmla="*/ 24018 h 366918"/>
+              <a:gd name="connsiteX5" fmla="*/ 670560 w 845820"/>
+              <a:gd name="connsiteY5" fmla="*/ 130698 h 366918"/>
+              <a:gd name="connsiteX6" fmla="*/ 754380 w 845820"/>
+              <a:gd name="connsiteY6" fmla="*/ 290718 h 366918"/>
+              <a:gd name="connsiteX7" fmla="*/ 845820 w 845820"/>
+              <a:gd name="connsiteY7" fmla="*/ 359298 h 366918"/>
+            </a:gdLst>
+            <a:ahLst/>
+            <a:cxnLst>
+              <a:cxn ang="0">
+                <a:pos x="connsiteX0" y="connsiteY0"/>
+              </a:cxn>
+              <a:cxn ang="0">
+                <a:pos x="connsiteX1" y="connsiteY1"/>
+              </a:cxn>
+              <a:cxn ang="0">
+                <a:pos x="connsiteX2" y="connsiteY2"/>
+              </a:cxn>
+              <a:cxn ang="0">
+                <a:pos x="connsiteX3" y="connsiteY3"/>
+              </a:cxn>
+              <a:cxn ang="0">
+                <a:pos x="connsiteX4" y="connsiteY4"/>
+              </a:cxn>
+              <a:cxn ang="0">
+                <a:pos x="connsiteX5" y="connsiteY5"/>
+              </a:cxn>
+              <a:cxn ang="0">
+                <a:pos x="connsiteX6" y="connsiteY6"/>
+              </a:cxn>
+              <a:cxn ang="0">
+                <a:pos x="connsiteX7" y="connsiteY7"/>
+              </a:cxn>
+            </a:cxnLst>
+            <a:rect l="l" t="t" r="r" b="b"/>
+            <a:pathLst>
+              <a:path w="845820" h="366918">
+                <a:moveTo>
+                  <a:pt x="0" y="366918"/>
+                </a:moveTo>
+                <a:cubicBezTo>
+                  <a:pt x="52070" y="351678"/>
+                  <a:pt x="104140" y="336438"/>
+                  <a:pt x="152400" y="283098"/>
+                </a:cubicBezTo>
+                <a:cubicBezTo>
+                  <a:pt x="200660" y="229758"/>
+                  <a:pt x="238760" y="93868"/>
+                  <a:pt x="289560" y="46878"/>
+                </a:cubicBezTo>
+                <a:cubicBezTo>
+                  <a:pt x="340360" y="-112"/>
+                  <a:pt x="402590" y="4968"/>
+                  <a:pt x="457200" y="1158"/>
+                </a:cubicBezTo>
+                <a:cubicBezTo>
+                  <a:pt x="511810" y="-2652"/>
+                  <a:pt x="581660" y="2428"/>
+                  <a:pt x="617220" y="24018"/>
+                </a:cubicBezTo>
+                <a:cubicBezTo>
+                  <a:pt x="652780" y="45608"/>
+                  <a:pt x="647700" y="86248"/>
+                  <a:pt x="670560" y="130698"/>
+                </a:cubicBezTo>
+                <a:cubicBezTo>
+                  <a:pt x="693420" y="175148"/>
+                  <a:pt x="725170" y="252618"/>
+                  <a:pt x="754380" y="290718"/>
+                </a:cubicBezTo>
+                <a:cubicBezTo>
+                  <a:pt x="783590" y="328818"/>
+                  <a:pt x="814705" y="344058"/>
+                  <a:pt x="845820" y="359298"/>
+                </a:cubicBezTo>
+              </a:path>
+            </a:pathLst>
+          </a:custGeom>
+          <a:gradFill flip="none" rotWithShape="1">
+            <a:gsLst>
+              <a:gs pos="0">
+                <a:schemeClr val="accent1">
+                  <a:lumMod val="5000"/>
+                  <a:lumOff val="95000"/>
+                </a:schemeClr>
+              </a:gs>
+              <a:gs pos="42000">
+                <a:srgbClr val="FFC000"/>
+              </a:gs>
+              <a:gs pos="65000">
+                <a:srgbClr val="00B050"/>
+              </a:gs>
+              <a:gs pos="100000">
+                <a:schemeClr val="accent1">
+                  <a:lumMod val="30000"/>
+                  <a:lumOff val="70000"/>
+                </a:schemeClr>
+              </a:gs>
+            </a:gsLst>
+            <a:lin ang="13500000" scaled="1"/>
+            <a:tileRect/>
+          </a:gradFill>
+          <a:ln w="38100">
+            <a:solidFill>
+              <a:schemeClr val="tx1"/>
+            </a:solidFill>
+          </a:ln>
+        </p:spPr>
+        <p:style>
+          <a:lnRef idx="2">
+            <a:schemeClr val="accent1">
+              <a:shade val="50000"/>
+            </a:schemeClr>
+          </a:lnRef>
+          <a:fillRef idx="1">
+            <a:schemeClr val="accent1"/>
+          </a:fillRef>
+          <a:effectRef idx="0">
+            <a:schemeClr val="accent1"/>
+          </a:effectRef>
+          <a:fontRef idx="minor">
+            <a:schemeClr val="lt1"/>
+          </a:fontRef>
+        </p:style>
+        <p:txBody>
+          <a:bodyPr rtlCol="0" anchor="ctr"/>
+          <a:lstStyle/>
+          <a:p>
+            <a:pPr algn="ctr"/>
+            <a:endParaRPr lang="en-US" b="1">
+              <a:ln w="12700">
+                <a:solidFill>
+                  <a:schemeClr val="tx2">
+                    <a:lumMod val="75000"/>
+                  </a:schemeClr>
+                </a:solidFill>
+                <a:prstDash val="solid"/>
+              </a:ln>
+              <a:pattFill prst="dkUpDiag">
+                <a:fgClr>
+                  <a:schemeClr val="tx2"/>
+                </a:fgClr>
+                <a:bgClr>
+                  <a:schemeClr val="tx2">
+                    <a:lumMod val="20000"/>
+                    <a:lumOff val="80000"/>
+                  </a:schemeClr>
+                </a:bgClr>
+              </a:pattFill>
+              <a:effectLst>
+                <a:outerShdw dist="38100" dir="2640000" algn="bl" rotWithShape="0">
+                  <a:schemeClr val="tx2">
+                    <a:lumMod val="75000"/>
+                  </a:schemeClr>
+                </a:outerShdw>
+              </a:effectLst>
+            </a:endParaRPr>
+          </a:p>
+        </p:txBody>
+      </p:sp>
+      <mc:AlternateContent xmlns:mc="http://schemas.openxmlformats.org/markup-compatibility/2006">
+        <mc:Choice xmlns:a14="http://schemas.microsoft.com/office/drawing/2010/main" Requires="a14">
+          <p:sp>
+            <p:nvSpPr>
+              <p:cNvPr id="8" name="TextBox 7">
+                <a:extLst>
+                  <a:ext uri="{FF2B5EF4-FFF2-40B4-BE49-F238E27FC236}">
+                    <a16:creationId xmlns:a16="http://schemas.microsoft.com/office/drawing/2014/main" id="{8E1C9C83-21A8-4AB8-D099-24292A354261}"/>
+                  </a:ext>
+                </a:extLst>
+              </p:cNvPr>
+              <p:cNvSpPr txBox="1"/>
+              <p:nvPr/>
+            </p:nvSpPr>
+            <p:spPr>
+              <a:xfrm>
+                <a:off x="8967598" y="2658005"/>
+                <a:ext cx="542584" cy="492443"/>
+              </a:xfrm>
+              <a:prstGeom prst="rect">
+                <a:avLst/>
+              </a:prstGeom>
+              <a:noFill/>
+            </p:spPr>
+            <p:txBody>
+              <a:bodyPr wrap="none" lIns="0" tIns="0" rIns="0" bIns="0" rtlCol="0">
+                <a:spAutoFit/>
+              </a:bodyPr>
+              <a:lstStyle/>
+              <a:p>
+                <a:pPr/>
+                <a14:m>
+                  <m:oMathPara xmlns:m="http://schemas.openxmlformats.org/officeDocument/2006/math">
+                    <m:oMathParaPr>
+                      <m:jc m:val="centerGroup"/>
+                    </m:oMathParaPr>
+                    <m:oMath xmlns:m="http://schemas.openxmlformats.org/officeDocument/2006/math">
+                      <m:sSub>
+                        <m:sSubPr>
+                          <m:ctrlPr>
+                            <a:rPr lang="en-US" sz="3200" i="1" smtClean="0">
+                              <a:latin typeface="Cambria Math" panose="02040503050406030204" pitchFamily="18" charset="0"/>
+                            </a:rPr>
+                          </m:ctrlPr>
+                        </m:sSubPr>
+                        <m:e>
+                          <m:r>
+                            <a:rPr lang="en-US" sz="3200" i="1" smtClean="0">
+                              <a:latin typeface="Cambria Math" panose="02040503050406030204" pitchFamily="18" charset="0"/>
+                              <a:ea typeface="Cambria Math" panose="02040503050406030204" pitchFamily="18" charset="0"/>
+                            </a:rPr>
+                            <m:t>𝜔</m:t>
+                          </m:r>
+                        </m:e>
+                        <m:sub>
+                          <m:r>
+                            <a:rPr lang="en-US" sz="3200" b="0" i="1" smtClean="0">
+                              <a:latin typeface="Cambria Math" panose="02040503050406030204" pitchFamily="18" charset="0"/>
+                            </a:rPr>
+                            <m:t>𝑠</m:t>
+                          </m:r>
+                        </m:sub>
+                      </m:sSub>
+                    </m:oMath>
+                  </m:oMathPara>
+                </a14:m>
+                <a:endParaRPr lang="en-US" sz="3200" dirty="0"/>
+              </a:p>
+            </p:txBody>
+          </p:sp>
+        </mc:Choice>
+        <mc:Fallback>
+          <p:sp>
+            <p:nvSpPr>
+              <p:cNvPr id="8" name="TextBox 7">
+                <a:extLst>
+                  <a:ext uri="{FF2B5EF4-FFF2-40B4-BE49-F238E27FC236}">
+                    <a16:creationId xmlns:a16="http://schemas.microsoft.com/office/drawing/2014/main" id="{8E1C9C83-21A8-4AB8-D099-24292A354261}"/>
+                  </a:ext>
+                </a:extLst>
+              </p:cNvPr>
+              <p:cNvSpPr txBox="1">
+                <a:spLocks noRot="1" noChangeAspect="1" noMove="1" noResize="1" noEditPoints="1" noAdjustHandles="1" noChangeArrowheads="1" noChangeShapeType="1" noTextEdit="1"/>
+              </p:cNvSpPr>
+              <p:nvPr/>
+            </p:nvSpPr>
+            <p:spPr>
+              <a:xfrm>
+                <a:off x="8967598" y="2658005"/>
+                <a:ext cx="542584" cy="492443"/>
+              </a:xfrm>
+              <a:prstGeom prst="rect">
+                <a:avLst/>
+              </a:prstGeom>
+              <a:blipFill>
+                <a:blip r:embed="rId2"/>
+                <a:stretch>
+                  <a:fillRect/>
+                </a:stretch>
+              </a:blipFill>
+            </p:spPr>
+            <p:txBody>
+              <a:bodyPr/>
+              <a:lstStyle/>
+              <a:p>
+                <a:r>
+                  <a:rPr lang="en-US">
+                    <a:noFill/>
+                  </a:rPr>
+                  <a:t> </a:t>
+                </a:r>
+              </a:p>
+            </p:txBody>
+          </p:sp>
+        </mc:Fallback>
+      </mc:AlternateContent>
+      <mc:AlternateContent xmlns:mc="http://schemas.openxmlformats.org/markup-compatibility/2006">
+        <mc:Choice xmlns:a14="http://schemas.microsoft.com/office/drawing/2010/main" Requires="a14">
+          <p:sp>
+            <p:nvSpPr>
+              <p:cNvPr id="9" name="TextBox 8">
+                <a:extLst>
+                  <a:ext uri="{FF2B5EF4-FFF2-40B4-BE49-F238E27FC236}">
+                    <a16:creationId xmlns:a16="http://schemas.microsoft.com/office/drawing/2014/main" id="{E8AC8BF3-AC03-52FD-279E-96C6269AF513}"/>
+                  </a:ext>
+                </a:extLst>
+              </p:cNvPr>
+              <p:cNvSpPr txBox="1"/>
+              <p:nvPr/>
+            </p:nvSpPr>
+            <p:spPr>
+              <a:xfrm>
+                <a:off x="8967598" y="3658394"/>
+                <a:ext cx="781752" cy="464101"/>
+              </a:xfrm>
+              <a:prstGeom prst="rect">
+                <a:avLst/>
+              </a:prstGeom>
+              <a:noFill/>
+            </p:spPr>
+            <p:txBody>
+              <a:bodyPr wrap="none" lIns="0" tIns="0" rIns="0" bIns="0" rtlCol="0">
+                <a:spAutoFit/>
+              </a:bodyPr>
+              <a:lstStyle/>
+              <a:p>
+                <a:pPr/>
+                <a14:m>
+                  <m:oMathPara xmlns:m="http://schemas.openxmlformats.org/officeDocument/2006/math">
+                    <m:oMathParaPr>
+                      <m:jc m:val="centerGroup"/>
+                    </m:oMathParaPr>
+                    <m:oMath xmlns:m="http://schemas.openxmlformats.org/officeDocument/2006/math">
+                      <m:sSub>
+                        <m:sSubPr>
+                          <m:ctrlPr>
+                            <a:rPr lang="en-US" sz="2800" i="1" smtClean="0">
+                              <a:latin typeface="Cambria Math" panose="02040503050406030204" pitchFamily="18" charset="0"/>
+                            </a:rPr>
+                          </m:ctrlPr>
+                        </m:sSubPr>
+                        <m:e>
+                          <m:r>
+                            <a:rPr lang="en-US" sz="2800" i="1" smtClean="0">
+                              <a:latin typeface="Cambria Math" panose="02040503050406030204" pitchFamily="18" charset="0"/>
+                              <a:ea typeface="Cambria Math" panose="02040503050406030204" pitchFamily="18" charset="0"/>
+                            </a:rPr>
+                            <m:t>𝜔</m:t>
+                          </m:r>
+                        </m:e>
+                        <m:sub>
+                          <m:r>
+                            <a:rPr lang="en-US" sz="2800" b="0" i="1" smtClean="0">
+                              <a:latin typeface="Cambria Math" panose="02040503050406030204" pitchFamily="18" charset="0"/>
+                            </a:rPr>
+                            <m:t>𝑐𝑞𝑟</m:t>
+                          </m:r>
+                        </m:sub>
+                      </m:sSub>
+                    </m:oMath>
+                  </m:oMathPara>
+                </a14:m>
+                <a:endParaRPr lang="en-US" sz="2800" dirty="0"/>
+              </a:p>
+            </p:txBody>
+          </p:sp>
+        </mc:Choice>
+        <mc:Fallback>
+          <p:sp>
+            <p:nvSpPr>
+              <p:cNvPr id="9" name="TextBox 8">
+                <a:extLst>
+                  <a:ext uri="{FF2B5EF4-FFF2-40B4-BE49-F238E27FC236}">
+                    <a16:creationId xmlns:a16="http://schemas.microsoft.com/office/drawing/2014/main" id="{E8AC8BF3-AC03-52FD-279E-96C6269AF513}"/>
+                  </a:ext>
+                </a:extLst>
+              </p:cNvPr>
+              <p:cNvSpPr txBox="1">
+                <a:spLocks noRot="1" noChangeAspect="1" noMove="1" noResize="1" noEditPoints="1" noAdjustHandles="1" noChangeArrowheads="1" noChangeShapeType="1" noTextEdit="1"/>
+              </p:cNvSpPr>
+              <p:nvPr/>
+            </p:nvSpPr>
+            <p:spPr>
+              <a:xfrm>
+                <a:off x="8967598" y="3658394"/>
+                <a:ext cx="781752" cy="464101"/>
+              </a:xfrm>
+              <a:prstGeom prst="rect">
+                <a:avLst/>
+              </a:prstGeom>
+              <a:blipFill>
+                <a:blip r:embed="rId3"/>
+                <a:stretch>
+                  <a:fillRect/>
+                </a:stretch>
+              </a:blipFill>
+            </p:spPr>
+            <p:txBody>
+              <a:bodyPr/>
+              <a:lstStyle/>
+              <a:p>
+                <a:r>
+                  <a:rPr lang="en-US">
+                    <a:noFill/>
+                  </a:rPr>
+                  <a:t> </a:t>
+                </a:r>
+              </a:p>
+            </p:txBody>
+          </p:sp>
+        </mc:Fallback>
+      </mc:AlternateContent>
+      <p:cxnSp>
+        <p:nvCxnSpPr>
+          <p:cNvPr id="10" name="Straight Connector 9">
+            <a:extLst>
+              <a:ext uri="{FF2B5EF4-FFF2-40B4-BE49-F238E27FC236}">
+                <a16:creationId xmlns:a16="http://schemas.microsoft.com/office/drawing/2014/main" id="{E4835D27-4907-C6F3-AD63-4FECA42FE598}"/>
+              </a:ext>
+            </a:extLst>
+          </p:cNvPr>
+          <p:cNvCxnSpPr/>
+          <p:nvPr/>
+        </p:nvCxnSpPr>
+        <p:spPr>
+          <a:xfrm>
+            <a:off x="6240851" y="1805940"/>
+            <a:ext cx="0" cy="2316555"/>
+          </a:xfrm>
+          <a:prstGeom prst="line">
+            <a:avLst/>
+          </a:prstGeom>
+          <a:ln w="38100">
+            <a:solidFill>
+              <a:schemeClr val="tx1"/>
+            </a:solidFill>
+            <a:prstDash val="dash"/>
+          </a:ln>
+        </p:spPr>
+        <p:style>
+          <a:lnRef idx="1">
+            <a:schemeClr val="accent1"/>
+          </a:lnRef>
+          <a:fillRef idx="0">
+            <a:schemeClr val="accent1"/>
+          </a:fillRef>
+          <a:effectRef idx="0">
+            <a:schemeClr val="accent1"/>
+          </a:effectRef>
+          <a:fontRef idx="minor">
+            <a:schemeClr val="tx1"/>
+          </a:fontRef>
+        </p:style>
+      </p:cxnSp>
+      <p:cxnSp>
+        <p:nvCxnSpPr>
+          <p:cNvPr id="11" name="Straight Connector 10">
+            <a:extLst>
+              <a:ext uri="{FF2B5EF4-FFF2-40B4-BE49-F238E27FC236}">
+                <a16:creationId xmlns:a16="http://schemas.microsoft.com/office/drawing/2014/main" id="{E6CE3818-5064-EE1D-8995-30F2DADB93B2}"/>
+              </a:ext>
+            </a:extLst>
+          </p:cNvPr>
+          <p:cNvCxnSpPr/>
+          <p:nvPr/>
+        </p:nvCxnSpPr>
+        <p:spPr>
+          <a:xfrm>
+            <a:off x="4084391" y="1805940"/>
+            <a:ext cx="0" cy="2316555"/>
+          </a:xfrm>
+          <a:prstGeom prst="line">
+            <a:avLst/>
+          </a:prstGeom>
+          <a:ln w="38100">
+            <a:solidFill>
+              <a:schemeClr val="tx1"/>
+            </a:solidFill>
+            <a:prstDash val="dash"/>
+          </a:ln>
+        </p:spPr>
+        <p:style>
+          <a:lnRef idx="1">
+            <a:schemeClr val="accent1"/>
+          </a:lnRef>
+          <a:fillRef idx="0">
+            <a:schemeClr val="accent1"/>
+          </a:fillRef>
+          <a:effectRef idx="0">
+            <a:schemeClr val="accent1"/>
+          </a:effectRef>
+          <a:fontRef idx="minor">
+            <a:schemeClr val="tx1"/>
+          </a:fontRef>
+        </p:style>
+      </p:cxnSp>
+      <p:cxnSp>
+        <p:nvCxnSpPr>
+          <p:cNvPr id="12" name="Straight Arrow Connector 11">
+            <a:extLst>
+              <a:ext uri="{FF2B5EF4-FFF2-40B4-BE49-F238E27FC236}">
+                <a16:creationId xmlns:a16="http://schemas.microsoft.com/office/drawing/2014/main" id="{FB41C93E-0A05-7EA4-BB59-99B542CA0933}"/>
+              </a:ext>
+            </a:extLst>
+          </p:cNvPr>
+          <p:cNvCxnSpPr>
+            <a:cxnSpLocks/>
+          </p:cNvCxnSpPr>
+          <p:nvPr/>
+        </p:nvCxnSpPr>
+        <p:spPr>
+          <a:xfrm>
+            <a:off x="4152971" y="3761687"/>
+            <a:ext cx="2034540" cy="0"/>
+          </a:xfrm>
+          <a:prstGeom prst="straightConnector1">
+            <a:avLst/>
+          </a:prstGeom>
+          <a:ln w="28575">
+            <a:solidFill>
+              <a:schemeClr val="tx1"/>
+            </a:solidFill>
+            <a:headEnd type="triangle"/>
+            <a:tailEnd type="triangle"/>
+          </a:ln>
+        </p:spPr>
+        <p:style>
+          <a:lnRef idx="1">
+            <a:schemeClr val="accent1"/>
+          </a:lnRef>
+          <a:fillRef idx="0">
+            <a:schemeClr val="accent1"/>
+          </a:fillRef>
+          <a:effectRef idx="0">
+            <a:schemeClr val="accent1"/>
+          </a:effectRef>
+          <a:fontRef idx="minor">
+            <a:schemeClr val="tx1"/>
+          </a:fontRef>
+        </p:style>
+      </p:cxnSp>
+      <p:sp>
+        <p:nvSpPr>
+          <p:cNvPr id="13" name="TextBox 12">
+            <a:extLst>
+              <a:ext uri="{FF2B5EF4-FFF2-40B4-BE49-F238E27FC236}">
+                <a16:creationId xmlns:a16="http://schemas.microsoft.com/office/drawing/2014/main" id="{1ECBEB36-27F9-65A0-50CD-56D42FFEEC4B}"/>
+              </a:ext>
+            </a:extLst>
+          </p:cNvPr>
+          <p:cNvSpPr txBox="1"/>
+          <p:nvPr/>
+        </p:nvSpPr>
+        <p:spPr>
+          <a:xfrm>
+            <a:off x="4345869" y="3521112"/>
+            <a:ext cx="1616853" cy="369332"/>
+          </a:xfrm>
+          <a:prstGeom prst="rect">
+            <a:avLst/>
+          </a:prstGeom>
+          <a:solidFill>
+            <a:schemeClr val="bg1"/>
+          </a:solidFill>
+        </p:spPr>
+        <p:txBody>
+          <a:bodyPr wrap="none" rtlCol="0">
+            <a:spAutoFit/>
+          </a:bodyPr>
+          <a:lstStyle/>
+          <a:p>
+            <a:r>
+              <a:rPr lang="en-US" dirty="0"/>
+              <a:t>cooldown time</a:t>
+            </a:r>
+          </a:p>
+        </p:txBody>
+      </p:sp>
+      <p:sp>
+        <p:nvSpPr>
+          <p:cNvPr id="16" name="Freeform: Shape 15">
+            <a:extLst>
+              <a:ext uri="{FF2B5EF4-FFF2-40B4-BE49-F238E27FC236}">
+                <a16:creationId xmlns:a16="http://schemas.microsoft.com/office/drawing/2014/main" id="{94129DAE-C0F2-AEA2-EF20-25B669D1DFF9}"/>
+              </a:ext>
+            </a:extLst>
+          </p:cNvPr>
+          <p:cNvSpPr/>
+          <p:nvPr/>
+        </p:nvSpPr>
+        <p:spPr>
+          <a:xfrm>
+            <a:off x="7305792" y="3583842"/>
+            <a:ext cx="693420" cy="349665"/>
+          </a:xfrm>
+          <a:custGeom>
+            <a:avLst/>
+            <a:gdLst>
+              <a:gd name="connsiteX0" fmla="*/ 0 w 845820"/>
+              <a:gd name="connsiteY0" fmla="*/ 366918 h 366918"/>
+              <a:gd name="connsiteX1" fmla="*/ 152400 w 845820"/>
+              <a:gd name="connsiteY1" fmla="*/ 283098 h 366918"/>
+              <a:gd name="connsiteX2" fmla="*/ 289560 w 845820"/>
+              <a:gd name="connsiteY2" fmla="*/ 46878 h 366918"/>
+              <a:gd name="connsiteX3" fmla="*/ 457200 w 845820"/>
+              <a:gd name="connsiteY3" fmla="*/ 1158 h 366918"/>
+              <a:gd name="connsiteX4" fmla="*/ 617220 w 845820"/>
+              <a:gd name="connsiteY4" fmla="*/ 24018 h 366918"/>
+              <a:gd name="connsiteX5" fmla="*/ 670560 w 845820"/>
+              <a:gd name="connsiteY5" fmla="*/ 130698 h 366918"/>
+              <a:gd name="connsiteX6" fmla="*/ 754380 w 845820"/>
+              <a:gd name="connsiteY6" fmla="*/ 290718 h 366918"/>
+              <a:gd name="connsiteX7" fmla="*/ 845820 w 845820"/>
+              <a:gd name="connsiteY7" fmla="*/ 359298 h 366918"/>
+            </a:gdLst>
+            <a:ahLst/>
+            <a:cxnLst>
+              <a:cxn ang="0">
+                <a:pos x="connsiteX0" y="connsiteY0"/>
+              </a:cxn>
+              <a:cxn ang="0">
+                <a:pos x="connsiteX1" y="connsiteY1"/>
+              </a:cxn>
+              <a:cxn ang="0">
+                <a:pos x="connsiteX2" y="connsiteY2"/>
+              </a:cxn>
+              <a:cxn ang="0">
+                <a:pos x="connsiteX3" y="connsiteY3"/>
+              </a:cxn>
+              <a:cxn ang="0">
+                <a:pos x="connsiteX4" y="connsiteY4"/>
+              </a:cxn>
+              <a:cxn ang="0">
+                <a:pos x="connsiteX5" y="connsiteY5"/>
+              </a:cxn>
+              <a:cxn ang="0">
+                <a:pos x="connsiteX6" y="connsiteY6"/>
+              </a:cxn>
+              <a:cxn ang="0">
+                <a:pos x="connsiteX7" y="connsiteY7"/>
+              </a:cxn>
+            </a:cxnLst>
+            <a:rect l="l" t="t" r="r" b="b"/>
+            <a:pathLst>
+              <a:path w="845820" h="366918">
+                <a:moveTo>
+                  <a:pt x="0" y="366918"/>
+                </a:moveTo>
+                <a:cubicBezTo>
+                  <a:pt x="52070" y="351678"/>
+                  <a:pt x="104140" y="336438"/>
+                  <a:pt x="152400" y="283098"/>
+                </a:cubicBezTo>
+                <a:cubicBezTo>
+                  <a:pt x="200660" y="229758"/>
+                  <a:pt x="238760" y="93868"/>
+                  <a:pt x="289560" y="46878"/>
+                </a:cubicBezTo>
+                <a:cubicBezTo>
+                  <a:pt x="340360" y="-112"/>
+                  <a:pt x="402590" y="4968"/>
+                  <a:pt x="457200" y="1158"/>
+                </a:cubicBezTo>
+                <a:cubicBezTo>
+                  <a:pt x="511810" y="-2652"/>
+                  <a:pt x="581660" y="2428"/>
+                  <a:pt x="617220" y="24018"/>
+                </a:cubicBezTo>
+                <a:cubicBezTo>
+                  <a:pt x="652780" y="45608"/>
+                  <a:pt x="647700" y="86248"/>
+                  <a:pt x="670560" y="130698"/>
+                </a:cubicBezTo>
+                <a:cubicBezTo>
+                  <a:pt x="693420" y="175148"/>
+                  <a:pt x="725170" y="252618"/>
+                  <a:pt x="754380" y="290718"/>
+                </a:cubicBezTo>
+                <a:cubicBezTo>
+                  <a:pt x="783590" y="328818"/>
+                  <a:pt x="814705" y="344058"/>
+                  <a:pt x="845820" y="359298"/>
+                </a:cubicBezTo>
+              </a:path>
+            </a:pathLst>
+          </a:custGeom>
+          <a:gradFill flip="none" rotWithShape="1">
+            <a:gsLst>
+              <a:gs pos="0">
+                <a:schemeClr val="accent1">
+                  <a:lumMod val="5000"/>
+                  <a:lumOff val="95000"/>
+                </a:schemeClr>
+              </a:gs>
+              <a:gs pos="42000">
+                <a:srgbClr val="FFC000"/>
+              </a:gs>
+              <a:gs pos="65000">
+                <a:srgbClr val="00B050"/>
+              </a:gs>
+              <a:gs pos="100000">
+                <a:schemeClr val="accent1">
+                  <a:lumMod val="30000"/>
+                  <a:lumOff val="70000"/>
+                </a:schemeClr>
+              </a:gs>
+            </a:gsLst>
+            <a:lin ang="13500000" scaled="1"/>
+            <a:tileRect/>
+          </a:gradFill>
+          <a:ln w="38100">
+            <a:solidFill>
+              <a:schemeClr val="tx1"/>
+            </a:solidFill>
+          </a:ln>
+        </p:spPr>
+        <p:style>
+          <a:lnRef idx="2">
+            <a:schemeClr val="accent1">
+              <a:shade val="50000"/>
+            </a:schemeClr>
+          </a:lnRef>
+          <a:fillRef idx="1">
+            <a:schemeClr val="accent1"/>
+          </a:fillRef>
+          <a:effectRef idx="0">
+            <a:schemeClr val="accent1"/>
+          </a:effectRef>
+          <a:fontRef idx="minor">
+            <a:schemeClr val="lt1"/>
+          </a:fontRef>
+        </p:style>
+        <p:txBody>
+          <a:bodyPr rtlCol="0" anchor="ctr"/>
+          <a:lstStyle/>
+          <a:p>
+            <a:pPr algn="ctr"/>
+            <a:endParaRPr lang="en-US" b="1">
+              <a:ln w="12700">
+                <a:solidFill>
+                  <a:schemeClr val="tx2">
+                    <a:lumMod val="75000"/>
+                  </a:schemeClr>
+                </a:solidFill>
+                <a:prstDash val="solid"/>
+              </a:ln>
+              <a:pattFill prst="dkUpDiag">
+                <a:fgClr>
+                  <a:schemeClr val="tx2"/>
+                </a:fgClr>
+                <a:bgClr>
+                  <a:schemeClr val="tx2">
+                    <a:lumMod val="20000"/>
+                    <a:lumOff val="80000"/>
+                  </a:schemeClr>
+                </a:bgClr>
+              </a:pattFill>
+              <a:effectLst>
+                <a:outerShdw dist="38100" dir="2640000" algn="bl" rotWithShape="0">
+                  <a:schemeClr val="tx2">
+                    <a:lumMod val="75000"/>
+                  </a:schemeClr>
+                </a:outerShdw>
+              </a:effectLst>
+            </a:endParaRPr>
+          </a:p>
+        </p:txBody>
+      </p:sp>
+      <p:cxnSp>
+        <p:nvCxnSpPr>
+          <p:cNvPr id="17" name="Straight Connector 16">
+            <a:extLst>
+              <a:ext uri="{FF2B5EF4-FFF2-40B4-BE49-F238E27FC236}">
+                <a16:creationId xmlns:a16="http://schemas.microsoft.com/office/drawing/2014/main" id="{4E3717EE-5650-31A3-B8FC-39BDE8D08B15}"/>
+              </a:ext>
+            </a:extLst>
+          </p:cNvPr>
+          <p:cNvCxnSpPr>
+            <a:cxnSpLocks/>
+          </p:cNvCxnSpPr>
+          <p:nvPr/>
+        </p:nvCxnSpPr>
+        <p:spPr>
+          <a:xfrm>
+            <a:off x="6919829" y="1805940"/>
+            <a:ext cx="0" cy="2256563"/>
+          </a:xfrm>
+          <a:prstGeom prst="line">
+            <a:avLst/>
+          </a:prstGeom>
+          <a:ln w="38100">
+            <a:solidFill>
+              <a:schemeClr val="tx1"/>
+            </a:solidFill>
+            <a:prstDash val="dash"/>
+          </a:ln>
+        </p:spPr>
+        <p:style>
+          <a:lnRef idx="1">
+            <a:schemeClr val="accent1"/>
+          </a:lnRef>
+          <a:fillRef idx="0">
+            <a:schemeClr val="accent1"/>
+          </a:fillRef>
+          <a:effectRef idx="0">
+            <a:schemeClr val="accent1"/>
+          </a:effectRef>
+          <a:fontRef idx="minor">
+            <a:schemeClr val="tx1"/>
+          </a:fontRef>
+        </p:style>
+      </p:cxnSp>
+      <p:cxnSp>
+        <p:nvCxnSpPr>
+          <p:cNvPr id="18" name="Straight Connector 17">
+            <a:extLst>
+              <a:ext uri="{FF2B5EF4-FFF2-40B4-BE49-F238E27FC236}">
+                <a16:creationId xmlns:a16="http://schemas.microsoft.com/office/drawing/2014/main" id="{A07869D1-BE4B-CC7F-E22A-917ACCF0CDA6}"/>
+              </a:ext>
+            </a:extLst>
+          </p:cNvPr>
+          <p:cNvCxnSpPr>
+            <a:cxnSpLocks/>
+          </p:cNvCxnSpPr>
+          <p:nvPr/>
+        </p:nvCxnSpPr>
+        <p:spPr>
+          <a:xfrm>
+            <a:off x="7305792" y="1805940"/>
+            <a:ext cx="0" cy="2256562"/>
+          </a:xfrm>
+          <a:prstGeom prst="line">
+            <a:avLst/>
+          </a:prstGeom>
+          <a:ln w="38100">
+            <a:solidFill>
+              <a:schemeClr val="tx1"/>
+            </a:solidFill>
+            <a:prstDash val="dash"/>
+          </a:ln>
+        </p:spPr>
+        <p:style>
+          <a:lnRef idx="1">
+            <a:schemeClr val="accent1"/>
+          </a:lnRef>
+          <a:fillRef idx="0">
+            <a:schemeClr val="accent1"/>
+          </a:fillRef>
+          <a:effectRef idx="0">
+            <a:schemeClr val="accent1"/>
+          </a:effectRef>
+          <a:fontRef idx="minor">
+            <a:schemeClr val="tx1"/>
+          </a:fontRef>
+        </p:style>
+      </p:cxnSp>
+      <p:sp>
+        <p:nvSpPr>
+          <p:cNvPr id="19" name="TextBox 18">
+            <a:extLst>
+              <a:ext uri="{FF2B5EF4-FFF2-40B4-BE49-F238E27FC236}">
+                <a16:creationId xmlns:a16="http://schemas.microsoft.com/office/drawing/2014/main" id="{B966D8EA-C011-A0BD-19EC-E9E27F707981}"/>
+              </a:ext>
+            </a:extLst>
+          </p:cNvPr>
+          <p:cNvSpPr txBox="1"/>
+          <p:nvPr/>
+        </p:nvSpPr>
+        <p:spPr>
+          <a:xfrm>
+            <a:off x="6811138" y="4122495"/>
+            <a:ext cx="685316" cy="369332"/>
+          </a:xfrm>
+          <a:prstGeom prst="rect">
+            <a:avLst/>
+          </a:prstGeom>
+          <a:noFill/>
+        </p:spPr>
+        <p:txBody>
+          <a:bodyPr wrap="none" rtlCol="0">
+            <a:spAutoFit/>
+          </a:bodyPr>
+          <a:lstStyle/>
+          <a:p>
+            <a:r>
+              <a:rPr lang="en-US" dirty="0"/>
+              <a:t>delay</a:t>
+            </a:r>
+          </a:p>
+        </p:txBody>
+      </p:sp>
+      <p:cxnSp>
+        <p:nvCxnSpPr>
+          <p:cNvPr id="21" name="Straight Arrow Connector 20">
+            <a:extLst>
+              <a:ext uri="{FF2B5EF4-FFF2-40B4-BE49-F238E27FC236}">
+                <a16:creationId xmlns:a16="http://schemas.microsoft.com/office/drawing/2014/main" id="{2B87304A-BF0E-4429-46DB-69515E34776C}"/>
+              </a:ext>
+            </a:extLst>
+          </p:cNvPr>
+          <p:cNvCxnSpPr>
+            <a:cxnSpLocks/>
+          </p:cNvCxnSpPr>
+          <p:nvPr/>
+        </p:nvCxnSpPr>
+        <p:spPr>
+          <a:xfrm flipV="1">
+            <a:off x="7119291" y="3976705"/>
+            <a:ext cx="0" cy="232051"/>
+          </a:xfrm>
+          <a:prstGeom prst="straightConnector1">
+            <a:avLst/>
+          </a:prstGeom>
+          <a:ln w="38100">
+            <a:solidFill>
+              <a:schemeClr val="tx1"/>
+            </a:solidFill>
+            <a:tailEnd type="triangle"/>
+          </a:ln>
+        </p:spPr>
+        <p:style>
+          <a:lnRef idx="1">
+            <a:schemeClr val="accent1"/>
+          </a:lnRef>
+          <a:fillRef idx="0">
+            <a:schemeClr val="accent1"/>
+          </a:fillRef>
+          <a:effectRef idx="0">
+            <a:schemeClr val="accent1"/>
+          </a:effectRef>
+          <a:fontRef idx="minor">
+            <a:schemeClr val="tx1"/>
+          </a:fontRef>
+        </p:style>
+      </p:cxnSp>
+    </p:spTree>
+    <p:extLst>
+      <p:ext uri="{BB962C8B-B14F-4D97-AF65-F5344CB8AC3E}">
+        <p14:creationId xmlns:p14="http://schemas.microsoft.com/office/powerpoint/2010/main" val="51721475"/>
+      </p:ext>
+    </p:extLst>
+  </p:cSld>
+  <p:clrMapOvr>
+    <a:masterClrMapping/>
+  </p:clrMapOvr>
+</p:sld>
+</file>
+
+<file path=ppt/slides/slide4.xml><?xml version="1.0" encoding="utf-8"?>
+<p:sld xmlns:a="http://schemas.openxmlformats.org/drawingml/2006/main" xmlns:r="http://schemas.openxmlformats.org/officeDocument/2006/relationships" xmlns:p="http://schemas.openxmlformats.org/presentationml/2006/main">
+  <p:cSld>
+    <p:spTree>
+      <p:nvGrpSpPr>
+        <p:cNvPr id="1" name=""/>
+        <p:cNvGrpSpPr/>
+        <p:nvPr/>
+      </p:nvGrpSpPr>
+      <p:grpSpPr>
+        <a:xfrm>
+          <a:off x="0" y="0"/>
+          <a:ext cx="0" cy="0"/>
+          <a:chOff x="0" y="0"/>
+          <a:chExt cx="0" cy="0"/>
+        </a:xfrm>
+      </p:grpSpPr>
+      <p:cxnSp>
+        <p:nvCxnSpPr>
+          <p:cNvPr id="22" name="Straight Arrow Connector 21">
+            <a:extLst>
+              <a:ext uri="{FF2B5EF4-FFF2-40B4-BE49-F238E27FC236}">
+                <a16:creationId xmlns:a16="http://schemas.microsoft.com/office/drawing/2014/main" id="{C55F66B2-FD19-B910-54B7-ADC1980353DE}"/>
+              </a:ext>
+            </a:extLst>
+          </p:cNvPr>
+          <p:cNvCxnSpPr>
+            <a:cxnSpLocks/>
+          </p:cNvCxnSpPr>
+          <p:nvPr/>
+        </p:nvCxnSpPr>
+        <p:spPr>
+          <a:xfrm>
+            <a:off x="3391619" y="2904227"/>
+            <a:ext cx="5512279" cy="0"/>
+          </a:xfrm>
+          <a:prstGeom prst="straightConnector1">
+            <a:avLst/>
+          </a:prstGeom>
+          <a:ln w="38100">
+            <a:solidFill>
+              <a:schemeClr val="tx1"/>
+            </a:solidFill>
+            <a:tailEnd type="triangle"/>
+          </a:ln>
+        </p:spPr>
+        <p:style>
+          <a:lnRef idx="1">
+            <a:schemeClr val="accent1"/>
+          </a:lnRef>
+          <a:fillRef idx="0">
+            <a:schemeClr val="accent1"/>
+          </a:fillRef>
+          <a:effectRef idx="0">
+            <a:schemeClr val="accent1"/>
+          </a:effectRef>
+          <a:fontRef idx="minor">
+            <a:schemeClr val="tx1"/>
+          </a:fontRef>
+        </p:style>
+      </p:cxnSp>
+      <p:sp>
+        <p:nvSpPr>
+          <p:cNvPr id="23" name="Freeform: Shape 22">
+            <a:extLst>
+              <a:ext uri="{FF2B5EF4-FFF2-40B4-BE49-F238E27FC236}">
+                <a16:creationId xmlns:a16="http://schemas.microsoft.com/office/drawing/2014/main" id="{77D7E07A-A05B-4331-F4B0-096E908B40BC}"/>
+              </a:ext>
+            </a:extLst>
+          </p:cNvPr>
+          <p:cNvSpPr/>
+          <p:nvPr/>
+        </p:nvSpPr>
+        <p:spPr>
+          <a:xfrm>
+            <a:off x="3726611" y="2164230"/>
+            <a:ext cx="4537495" cy="739997"/>
+          </a:xfrm>
+          <a:custGeom>
+            <a:avLst/>
+            <a:gdLst>
+              <a:gd name="connsiteX0" fmla="*/ 0 w 3683479"/>
+              <a:gd name="connsiteY0" fmla="*/ 733245 h 739997"/>
+              <a:gd name="connsiteX1" fmla="*/ 241540 w 3683479"/>
+              <a:gd name="connsiteY1" fmla="*/ 655607 h 739997"/>
+              <a:gd name="connsiteX2" fmla="*/ 534838 w 3683479"/>
+              <a:gd name="connsiteY2" fmla="*/ 138022 h 739997"/>
+              <a:gd name="connsiteX3" fmla="*/ 724619 w 3683479"/>
+              <a:gd name="connsiteY3" fmla="*/ 34505 h 739997"/>
+              <a:gd name="connsiteX4" fmla="*/ 923026 w 3683479"/>
+              <a:gd name="connsiteY4" fmla="*/ 17252 h 739997"/>
+              <a:gd name="connsiteX5" fmla="*/ 2812211 w 3683479"/>
+              <a:gd name="connsiteY5" fmla="*/ 0 h 739997"/>
+              <a:gd name="connsiteX6" fmla="*/ 3226279 w 3683479"/>
+              <a:gd name="connsiteY6" fmla="*/ 86264 h 739997"/>
+              <a:gd name="connsiteX7" fmla="*/ 3467819 w 3683479"/>
+              <a:gd name="connsiteY7" fmla="*/ 569343 h 739997"/>
+              <a:gd name="connsiteX8" fmla="*/ 3683479 w 3683479"/>
+              <a:gd name="connsiteY8" fmla="*/ 733245 h 739997"/>
+            </a:gdLst>
+            <a:ahLst/>
+            <a:cxnLst>
+              <a:cxn ang="0">
+                <a:pos x="connsiteX0" y="connsiteY0"/>
+              </a:cxn>
+              <a:cxn ang="0">
+                <a:pos x="connsiteX1" y="connsiteY1"/>
+              </a:cxn>
+              <a:cxn ang="0">
+                <a:pos x="connsiteX2" y="connsiteY2"/>
+              </a:cxn>
+              <a:cxn ang="0">
+                <a:pos x="connsiteX3" y="connsiteY3"/>
+              </a:cxn>
+              <a:cxn ang="0">
+                <a:pos x="connsiteX4" y="connsiteY4"/>
+              </a:cxn>
+              <a:cxn ang="0">
+                <a:pos x="connsiteX5" y="connsiteY5"/>
+              </a:cxn>
+              <a:cxn ang="0">
+                <a:pos x="connsiteX6" y="connsiteY6"/>
+              </a:cxn>
+              <a:cxn ang="0">
+                <a:pos x="connsiteX7" y="connsiteY7"/>
+              </a:cxn>
+              <a:cxn ang="0">
+                <a:pos x="connsiteX8" y="connsiteY8"/>
+              </a:cxn>
+            </a:cxnLst>
+            <a:rect l="l" t="t" r="r" b="b"/>
+            <a:pathLst>
+              <a:path w="3683479" h="739997">
+                <a:moveTo>
+                  <a:pt x="0" y="733245"/>
+                </a:moveTo>
+                <a:cubicBezTo>
+                  <a:pt x="76200" y="744028"/>
+                  <a:pt x="152400" y="754811"/>
+                  <a:pt x="241540" y="655607"/>
+                </a:cubicBezTo>
+                <a:cubicBezTo>
+                  <a:pt x="330680" y="556403"/>
+                  <a:pt x="454325" y="241539"/>
+                  <a:pt x="534838" y="138022"/>
+                </a:cubicBezTo>
+                <a:cubicBezTo>
+                  <a:pt x="615351" y="34505"/>
+                  <a:pt x="659921" y="54633"/>
+                  <a:pt x="724619" y="34505"/>
+                </a:cubicBezTo>
+                <a:cubicBezTo>
+                  <a:pt x="789317" y="14377"/>
+                  <a:pt x="923026" y="17252"/>
+                  <a:pt x="923026" y="17252"/>
+                </a:cubicBezTo>
+                <a:lnTo>
+                  <a:pt x="2812211" y="0"/>
+                </a:lnTo>
+                <a:cubicBezTo>
+                  <a:pt x="3196086" y="11502"/>
+                  <a:pt x="3117011" y="-8626"/>
+                  <a:pt x="3226279" y="86264"/>
+                </a:cubicBezTo>
+                <a:cubicBezTo>
+                  <a:pt x="3335547" y="181154"/>
+                  <a:pt x="3391619" y="461513"/>
+                  <a:pt x="3467819" y="569343"/>
+                </a:cubicBezTo>
+                <a:cubicBezTo>
+                  <a:pt x="3544019" y="677173"/>
+                  <a:pt x="3613749" y="705209"/>
+                  <a:pt x="3683479" y="733245"/>
+                </a:cubicBezTo>
+              </a:path>
+            </a:pathLst>
+          </a:custGeom>
+          <a:solidFill>
+            <a:srgbClr val="00B0F0"/>
+          </a:solidFill>
+          <a:ln w="38100">
+            <a:solidFill>
+              <a:schemeClr val="tx1"/>
+            </a:solidFill>
+          </a:ln>
+        </p:spPr>
+        <p:style>
+          <a:lnRef idx="2">
+            <a:schemeClr val="accent1">
+              <a:shade val="50000"/>
+            </a:schemeClr>
+          </a:lnRef>
+          <a:fillRef idx="1">
+            <a:schemeClr val="accent1"/>
+          </a:fillRef>
+          <a:effectRef idx="0">
+            <a:schemeClr val="accent1"/>
+          </a:effectRef>
+          <a:fontRef idx="minor">
+            <a:schemeClr val="lt1"/>
+          </a:fontRef>
+        </p:style>
+        <p:txBody>
+          <a:bodyPr rtlCol="0" anchor="ctr"/>
+          <a:lstStyle/>
+          <a:p>
+            <a:pPr algn="ctr"/>
+            <a:endParaRPr lang="en-US"/>
+          </a:p>
+        </p:txBody>
+      </p:sp>
+      <p:cxnSp>
+        <p:nvCxnSpPr>
+          <p:cNvPr id="24" name="Straight Arrow Connector 23">
+            <a:extLst>
+              <a:ext uri="{FF2B5EF4-FFF2-40B4-BE49-F238E27FC236}">
+                <a16:creationId xmlns:a16="http://schemas.microsoft.com/office/drawing/2014/main" id="{3F0329DD-16F7-8F1F-ADB8-B5CEE2324D7C}"/>
+              </a:ext>
+            </a:extLst>
+          </p:cNvPr>
+          <p:cNvCxnSpPr>
+            <a:cxnSpLocks/>
+          </p:cNvCxnSpPr>
+          <p:nvPr/>
+        </p:nvCxnSpPr>
+        <p:spPr>
+          <a:xfrm>
+            <a:off x="3391619" y="3936521"/>
+            <a:ext cx="5512279" cy="0"/>
+          </a:xfrm>
+          <a:prstGeom prst="straightConnector1">
+            <a:avLst/>
+          </a:prstGeom>
+          <a:ln w="38100">
+            <a:solidFill>
+              <a:schemeClr val="tx1"/>
+            </a:solidFill>
+            <a:tailEnd type="triangle"/>
+          </a:ln>
+        </p:spPr>
+        <p:style>
+          <a:lnRef idx="1">
+            <a:schemeClr val="accent1"/>
+          </a:lnRef>
+          <a:fillRef idx="0">
+            <a:schemeClr val="accent1"/>
+          </a:fillRef>
+          <a:effectRef idx="0">
+            <a:schemeClr val="accent1"/>
+          </a:effectRef>
+          <a:fontRef idx="minor">
+            <a:schemeClr val="tx1"/>
+          </a:fontRef>
+        </p:style>
+      </p:cxnSp>
+      <p:sp>
+        <p:nvSpPr>
+          <p:cNvPr id="25" name="Freeform: Shape 24">
+            <a:extLst>
+              <a:ext uri="{FF2B5EF4-FFF2-40B4-BE49-F238E27FC236}">
+                <a16:creationId xmlns:a16="http://schemas.microsoft.com/office/drawing/2014/main" id="{409E3E4D-9C0B-4B15-523B-0943D16ABC72}"/>
+              </a:ext>
+            </a:extLst>
+          </p:cNvPr>
+          <p:cNvSpPr/>
+          <p:nvPr/>
+        </p:nvSpPr>
+        <p:spPr>
+          <a:xfrm>
+            <a:off x="7086600" y="3586855"/>
+            <a:ext cx="693420" cy="349665"/>
+          </a:xfrm>
+          <a:custGeom>
+            <a:avLst/>
+            <a:gdLst>
+              <a:gd name="connsiteX0" fmla="*/ 0 w 845820"/>
+              <a:gd name="connsiteY0" fmla="*/ 366918 h 366918"/>
+              <a:gd name="connsiteX1" fmla="*/ 152400 w 845820"/>
+              <a:gd name="connsiteY1" fmla="*/ 283098 h 366918"/>
+              <a:gd name="connsiteX2" fmla="*/ 289560 w 845820"/>
+              <a:gd name="connsiteY2" fmla="*/ 46878 h 366918"/>
+              <a:gd name="connsiteX3" fmla="*/ 457200 w 845820"/>
+              <a:gd name="connsiteY3" fmla="*/ 1158 h 366918"/>
+              <a:gd name="connsiteX4" fmla="*/ 617220 w 845820"/>
+              <a:gd name="connsiteY4" fmla="*/ 24018 h 366918"/>
+              <a:gd name="connsiteX5" fmla="*/ 670560 w 845820"/>
+              <a:gd name="connsiteY5" fmla="*/ 130698 h 366918"/>
+              <a:gd name="connsiteX6" fmla="*/ 754380 w 845820"/>
+              <a:gd name="connsiteY6" fmla="*/ 290718 h 366918"/>
+              <a:gd name="connsiteX7" fmla="*/ 845820 w 845820"/>
+              <a:gd name="connsiteY7" fmla="*/ 359298 h 366918"/>
+            </a:gdLst>
+            <a:ahLst/>
+            <a:cxnLst>
+              <a:cxn ang="0">
+                <a:pos x="connsiteX0" y="connsiteY0"/>
+              </a:cxn>
+              <a:cxn ang="0">
+                <a:pos x="connsiteX1" y="connsiteY1"/>
+              </a:cxn>
+              <a:cxn ang="0">
+                <a:pos x="connsiteX2" y="connsiteY2"/>
+              </a:cxn>
+              <a:cxn ang="0">
+                <a:pos x="connsiteX3" y="connsiteY3"/>
+              </a:cxn>
+              <a:cxn ang="0">
+                <a:pos x="connsiteX4" y="connsiteY4"/>
+              </a:cxn>
+              <a:cxn ang="0">
+                <a:pos x="connsiteX5" y="connsiteY5"/>
+              </a:cxn>
+              <a:cxn ang="0">
+                <a:pos x="connsiteX6" y="connsiteY6"/>
+              </a:cxn>
+              <a:cxn ang="0">
+                <a:pos x="connsiteX7" y="connsiteY7"/>
+              </a:cxn>
+            </a:cxnLst>
+            <a:rect l="l" t="t" r="r" b="b"/>
+            <a:pathLst>
+              <a:path w="845820" h="366918">
+                <a:moveTo>
+                  <a:pt x="0" y="366918"/>
+                </a:moveTo>
+                <a:cubicBezTo>
+                  <a:pt x="52070" y="351678"/>
+                  <a:pt x="104140" y="336438"/>
+                  <a:pt x="152400" y="283098"/>
+                </a:cubicBezTo>
+                <a:cubicBezTo>
+                  <a:pt x="200660" y="229758"/>
+                  <a:pt x="238760" y="93868"/>
+                  <a:pt x="289560" y="46878"/>
+                </a:cubicBezTo>
+                <a:cubicBezTo>
+                  <a:pt x="340360" y="-112"/>
+                  <a:pt x="402590" y="4968"/>
+                  <a:pt x="457200" y="1158"/>
+                </a:cubicBezTo>
+                <a:cubicBezTo>
+                  <a:pt x="511810" y="-2652"/>
+                  <a:pt x="581660" y="2428"/>
+                  <a:pt x="617220" y="24018"/>
+                </a:cubicBezTo>
+                <a:cubicBezTo>
+                  <a:pt x="652780" y="45608"/>
+                  <a:pt x="647700" y="86248"/>
+                  <a:pt x="670560" y="130698"/>
+                </a:cubicBezTo>
+                <a:cubicBezTo>
+                  <a:pt x="693420" y="175148"/>
+                  <a:pt x="725170" y="252618"/>
+                  <a:pt x="754380" y="290718"/>
+                </a:cubicBezTo>
+                <a:cubicBezTo>
+                  <a:pt x="783590" y="328818"/>
+                  <a:pt x="814705" y="344058"/>
+                  <a:pt x="845820" y="359298"/>
+                </a:cubicBezTo>
+              </a:path>
+            </a:pathLst>
+          </a:custGeom>
+          <a:gradFill flip="none" rotWithShape="1">
+            <a:gsLst>
+              <a:gs pos="0">
+                <a:schemeClr val="accent1">
+                  <a:lumMod val="5000"/>
+                  <a:lumOff val="95000"/>
+                </a:schemeClr>
+              </a:gs>
+              <a:gs pos="42000">
+                <a:srgbClr val="FFC000"/>
+              </a:gs>
+              <a:gs pos="65000">
+                <a:srgbClr val="00B050"/>
+              </a:gs>
+              <a:gs pos="100000">
+                <a:schemeClr val="accent1">
+                  <a:lumMod val="30000"/>
+                  <a:lumOff val="70000"/>
+                </a:schemeClr>
+              </a:gs>
+            </a:gsLst>
+            <a:lin ang="13500000" scaled="1"/>
+            <a:tileRect/>
+          </a:gradFill>
+          <a:ln w="38100">
+            <a:solidFill>
+              <a:schemeClr val="tx1"/>
+            </a:solidFill>
+          </a:ln>
+        </p:spPr>
+        <p:style>
+          <a:lnRef idx="2">
+            <a:schemeClr val="accent1">
+              <a:shade val="50000"/>
+            </a:schemeClr>
+          </a:lnRef>
+          <a:fillRef idx="1">
+            <a:schemeClr val="accent1"/>
+          </a:fillRef>
+          <a:effectRef idx="0">
+            <a:schemeClr val="accent1"/>
+          </a:effectRef>
+          <a:fontRef idx="minor">
+            <a:schemeClr val="lt1"/>
+          </a:fontRef>
+        </p:style>
+        <p:txBody>
+          <a:bodyPr rtlCol="0" anchor="ctr"/>
+          <a:lstStyle/>
+          <a:p>
+            <a:pPr algn="ctr"/>
+            <a:endParaRPr lang="en-US" b="1">
+              <a:ln w="12700">
+                <a:solidFill>
+                  <a:schemeClr val="tx2">
+                    <a:lumMod val="75000"/>
+                  </a:schemeClr>
+                </a:solidFill>
+                <a:prstDash val="solid"/>
+              </a:ln>
+              <a:pattFill prst="dkUpDiag">
+                <a:fgClr>
+                  <a:schemeClr val="tx2"/>
+                </a:fgClr>
+                <a:bgClr>
+                  <a:schemeClr val="tx2">
+                    <a:lumMod val="20000"/>
+                    <a:lumOff val="80000"/>
+                  </a:schemeClr>
+                </a:bgClr>
+              </a:pattFill>
+              <a:effectLst>
+                <a:outerShdw dist="38100" dir="2640000" algn="bl" rotWithShape="0">
+                  <a:schemeClr val="tx2">
+                    <a:lumMod val="75000"/>
+                  </a:schemeClr>
+                </a:outerShdw>
+              </a:effectLst>
+            </a:endParaRPr>
+          </a:p>
+        </p:txBody>
+      </p:sp>
+      <mc:AlternateContent xmlns:mc="http://schemas.openxmlformats.org/markup-compatibility/2006">
+        <mc:Choice xmlns:a14="http://schemas.microsoft.com/office/drawing/2010/main" Requires="a14">
+          <p:sp>
+            <p:nvSpPr>
+              <p:cNvPr id="26" name="TextBox 25">
+                <a:extLst>
+                  <a:ext uri="{FF2B5EF4-FFF2-40B4-BE49-F238E27FC236}">
+                    <a16:creationId xmlns:a16="http://schemas.microsoft.com/office/drawing/2014/main" id="{5D5A1145-7B06-A799-AE6C-48C0423724D8}"/>
+                  </a:ext>
+                </a:extLst>
+              </p:cNvPr>
+              <p:cNvSpPr txBox="1"/>
+              <p:nvPr/>
+            </p:nvSpPr>
+            <p:spPr>
+              <a:xfrm>
+                <a:off x="8967598" y="2658005"/>
+                <a:ext cx="542584" cy="492443"/>
+              </a:xfrm>
+              <a:prstGeom prst="rect">
+                <a:avLst/>
+              </a:prstGeom>
+              <a:noFill/>
+            </p:spPr>
+            <p:txBody>
+              <a:bodyPr wrap="none" lIns="0" tIns="0" rIns="0" bIns="0" rtlCol="0">
+                <a:spAutoFit/>
+              </a:bodyPr>
+              <a:lstStyle/>
+              <a:p>
+                <a:pPr/>
+                <a14:m>
+                  <m:oMathPara xmlns:m="http://schemas.openxmlformats.org/officeDocument/2006/math">
+                    <m:oMathParaPr>
+                      <m:jc m:val="centerGroup"/>
+                    </m:oMathParaPr>
+                    <m:oMath xmlns:m="http://schemas.openxmlformats.org/officeDocument/2006/math">
+                      <m:sSub>
+                        <m:sSubPr>
+                          <m:ctrlPr>
+                            <a:rPr lang="en-US" sz="3200" i="1" smtClean="0">
+                              <a:latin typeface="Cambria Math" panose="02040503050406030204" pitchFamily="18" charset="0"/>
+                            </a:rPr>
+                          </m:ctrlPr>
+                        </m:sSubPr>
+                        <m:e>
+                          <m:r>
+                            <a:rPr lang="en-US" sz="3200" i="1" smtClean="0">
+                              <a:latin typeface="Cambria Math" panose="02040503050406030204" pitchFamily="18" charset="0"/>
+                              <a:ea typeface="Cambria Math" panose="02040503050406030204" pitchFamily="18" charset="0"/>
+                            </a:rPr>
+                            <m:t>𝜔</m:t>
+                          </m:r>
+                        </m:e>
+                        <m:sub>
+                          <m:r>
+                            <a:rPr lang="en-US" sz="3200" b="0" i="1" smtClean="0">
+                              <a:latin typeface="Cambria Math" panose="02040503050406030204" pitchFamily="18" charset="0"/>
+                            </a:rPr>
+                            <m:t>𝑠</m:t>
+                          </m:r>
+                        </m:sub>
+                      </m:sSub>
+                    </m:oMath>
+                  </m:oMathPara>
+                </a14:m>
+                <a:endParaRPr lang="en-US" sz="3200" dirty="0"/>
+              </a:p>
+            </p:txBody>
+          </p:sp>
+        </mc:Choice>
+        <mc:Fallback>
+          <p:sp>
+            <p:nvSpPr>
+              <p:cNvPr id="26" name="TextBox 25">
+                <a:extLst>
+                  <a:ext uri="{FF2B5EF4-FFF2-40B4-BE49-F238E27FC236}">
+                    <a16:creationId xmlns:a16="http://schemas.microsoft.com/office/drawing/2014/main" id="{5D5A1145-7B06-A799-AE6C-48C0423724D8}"/>
+                  </a:ext>
+                </a:extLst>
+              </p:cNvPr>
+              <p:cNvSpPr txBox="1">
+                <a:spLocks noRot="1" noChangeAspect="1" noMove="1" noResize="1" noEditPoints="1" noAdjustHandles="1" noChangeArrowheads="1" noChangeShapeType="1" noTextEdit="1"/>
+              </p:cNvSpPr>
+              <p:nvPr/>
+            </p:nvSpPr>
+            <p:spPr>
+              <a:xfrm>
+                <a:off x="8967598" y="2658005"/>
+                <a:ext cx="542584" cy="492443"/>
+              </a:xfrm>
+              <a:prstGeom prst="rect">
+                <a:avLst/>
+              </a:prstGeom>
+              <a:blipFill>
+                <a:blip r:embed="rId2"/>
+                <a:stretch>
+                  <a:fillRect/>
+                </a:stretch>
+              </a:blipFill>
+            </p:spPr>
+            <p:txBody>
+              <a:bodyPr/>
+              <a:lstStyle/>
+              <a:p>
+                <a:r>
+                  <a:rPr lang="en-US">
+                    <a:noFill/>
+                  </a:rPr>
+                  <a:t> </a:t>
+                </a:r>
+              </a:p>
+            </p:txBody>
+          </p:sp>
+        </mc:Fallback>
+      </mc:AlternateContent>
+      <mc:AlternateContent xmlns:mc="http://schemas.openxmlformats.org/markup-compatibility/2006">
+        <mc:Choice xmlns:a14="http://schemas.microsoft.com/office/drawing/2010/main" Requires="a14">
+          <p:sp>
+            <p:nvSpPr>
+              <p:cNvPr id="27" name="TextBox 26">
+                <a:extLst>
+                  <a:ext uri="{FF2B5EF4-FFF2-40B4-BE49-F238E27FC236}">
+                    <a16:creationId xmlns:a16="http://schemas.microsoft.com/office/drawing/2014/main" id="{75548A74-3236-351B-5E0D-C741830200BD}"/>
+                  </a:ext>
+                </a:extLst>
+              </p:cNvPr>
+              <p:cNvSpPr txBox="1"/>
+              <p:nvPr/>
+            </p:nvSpPr>
+            <p:spPr>
+              <a:xfrm>
+                <a:off x="8967598" y="3658394"/>
+                <a:ext cx="781752" cy="464101"/>
+              </a:xfrm>
+              <a:prstGeom prst="rect">
+                <a:avLst/>
+              </a:prstGeom>
+              <a:noFill/>
+            </p:spPr>
+            <p:txBody>
+              <a:bodyPr wrap="none" lIns="0" tIns="0" rIns="0" bIns="0" rtlCol="0">
+                <a:spAutoFit/>
+              </a:bodyPr>
+              <a:lstStyle/>
+              <a:p>
+                <a:pPr/>
+                <a14:m>
+                  <m:oMathPara xmlns:m="http://schemas.openxmlformats.org/officeDocument/2006/math">
+                    <m:oMathParaPr>
+                      <m:jc m:val="centerGroup"/>
+                    </m:oMathParaPr>
+                    <m:oMath xmlns:m="http://schemas.openxmlformats.org/officeDocument/2006/math">
+                      <m:sSub>
+                        <m:sSubPr>
+                          <m:ctrlPr>
+                            <a:rPr lang="en-US" sz="2800" i="1" smtClean="0">
+                              <a:latin typeface="Cambria Math" panose="02040503050406030204" pitchFamily="18" charset="0"/>
+                            </a:rPr>
+                          </m:ctrlPr>
+                        </m:sSubPr>
+                        <m:e>
+                          <m:r>
+                            <a:rPr lang="en-US" sz="2800" i="1" smtClean="0">
+                              <a:latin typeface="Cambria Math" panose="02040503050406030204" pitchFamily="18" charset="0"/>
+                              <a:ea typeface="Cambria Math" panose="02040503050406030204" pitchFamily="18" charset="0"/>
+                            </a:rPr>
+                            <m:t>𝜔</m:t>
+                          </m:r>
+                        </m:e>
+                        <m:sub>
+                          <m:r>
+                            <a:rPr lang="en-US" sz="2800" b="0" i="1" smtClean="0">
+                              <a:latin typeface="Cambria Math" panose="02040503050406030204" pitchFamily="18" charset="0"/>
+                            </a:rPr>
+                            <m:t>𝑐𝑞𝑟</m:t>
+                          </m:r>
+                        </m:sub>
+                      </m:sSub>
+                    </m:oMath>
+                  </m:oMathPara>
+                </a14:m>
+                <a:endParaRPr lang="en-US" sz="2800" dirty="0"/>
+              </a:p>
+            </p:txBody>
+          </p:sp>
+        </mc:Choice>
+        <mc:Fallback>
+          <p:sp>
+            <p:nvSpPr>
+              <p:cNvPr id="27" name="TextBox 26">
+                <a:extLst>
+                  <a:ext uri="{FF2B5EF4-FFF2-40B4-BE49-F238E27FC236}">
+                    <a16:creationId xmlns:a16="http://schemas.microsoft.com/office/drawing/2014/main" id="{75548A74-3236-351B-5E0D-C741830200BD}"/>
+                  </a:ext>
+                </a:extLst>
+              </p:cNvPr>
+              <p:cNvSpPr txBox="1">
+                <a:spLocks noRot="1" noChangeAspect="1" noMove="1" noResize="1" noEditPoints="1" noAdjustHandles="1" noChangeArrowheads="1" noChangeShapeType="1" noTextEdit="1"/>
+              </p:cNvSpPr>
+              <p:nvPr/>
+            </p:nvSpPr>
+            <p:spPr>
+              <a:xfrm>
+                <a:off x="8967598" y="3658394"/>
+                <a:ext cx="781752" cy="464101"/>
+              </a:xfrm>
+              <a:prstGeom prst="rect">
+                <a:avLst/>
+              </a:prstGeom>
+              <a:blipFill>
+                <a:blip r:embed="rId3"/>
+                <a:stretch>
+                  <a:fillRect/>
+                </a:stretch>
+              </a:blipFill>
+            </p:spPr>
+            <p:txBody>
+              <a:bodyPr/>
+              <a:lstStyle/>
+              <a:p>
+                <a:r>
+                  <a:rPr lang="en-US">
+                    <a:noFill/>
+                  </a:rPr>
+                  <a:t> </a:t>
+                </a:r>
+              </a:p>
+            </p:txBody>
+          </p:sp>
+        </mc:Fallback>
+      </mc:AlternateContent>
+      <p:cxnSp>
+        <p:nvCxnSpPr>
+          <p:cNvPr id="28" name="Straight Connector 27">
+            <a:extLst>
+              <a:ext uri="{FF2B5EF4-FFF2-40B4-BE49-F238E27FC236}">
+                <a16:creationId xmlns:a16="http://schemas.microsoft.com/office/drawing/2014/main" id="{9870931A-0FB8-6BEF-E6CD-C7DC8192C3D1}"/>
+              </a:ext>
+            </a:extLst>
+          </p:cNvPr>
+          <p:cNvCxnSpPr/>
+          <p:nvPr/>
+        </p:nvCxnSpPr>
+        <p:spPr>
+          <a:xfrm>
+            <a:off x="6888480" y="1805940"/>
+            <a:ext cx="0" cy="2316555"/>
+          </a:xfrm>
+          <a:prstGeom prst="line">
+            <a:avLst/>
+          </a:prstGeom>
+          <a:ln w="38100">
+            <a:solidFill>
+              <a:schemeClr val="tx1"/>
+            </a:solidFill>
+            <a:prstDash val="dash"/>
+          </a:ln>
+        </p:spPr>
+        <p:style>
+          <a:lnRef idx="1">
+            <a:schemeClr val="accent1"/>
+          </a:lnRef>
+          <a:fillRef idx="0">
+            <a:schemeClr val="accent1"/>
+          </a:fillRef>
+          <a:effectRef idx="0">
+            <a:schemeClr val="accent1"/>
+          </a:effectRef>
+          <a:fontRef idx="minor">
+            <a:schemeClr val="tx1"/>
+          </a:fontRef>
+        </p:style>
+      </p:cxnSp>
+      <p:cxnSp>
+        <p:nvCxnSpPr>
+          <p:cNvPr id="29" name="Straight Connector 28">
+            <a:extLst>
+              <a:ext uri="{FF2B5EF4-FFF2-40B4-BE49-F238E27FC236}">
+                <a16:creationId xmlns:a16="http://schemas.microsoft.com/office/drawing/2014/main" id="{CE188551-16F1-1F5A-C60D-CFDC4DBD8EB5}"/>
+              </a:ext>
+            </a:extLst>
+          </p:cNvPr>
+          <p:cNvCxnSpPr/>
+          <p:nvPr/>
+        </p:nvCxnSpPr>
+        <p:spPr>
+          <a:xfrm>
+            <a:off x="4732020" y="1805940"/>
+            <a:ext cx="0" cy="2316555"/>
+          </a:xfrm>
+          <a:prstGeom prst="line">
+            <a:avLst/>
+          </a:prstGeom>
+          <a:ln w="38100">
+            <a:solidFill>
+              <a:schemeClr val="tx1"/>
+            </a:solidFill>
+            <a:prstDash val="dash"/>
+          </a:ln>
+        </p:spPr>
+        <p:style>
+          <a:lnRef idx="1">
+            <a:schemeClr val="accent1"/>
+          </a:lnRef>
+          <a:fillRef idx="0">
+            <a:schemeClr val="accent1"/>
+          </a:fillRef>
+          <a:effectRef idx="0">
+            <a:schemeClr val="accent1"/>
+          </a:effectRef>
+          <a:fontRef idx="minor">
+            <a:schemeClr val="tx1"/>
+          </a:fontRef>
+        </p:style>
+      </p:cxnSp>
+      <p:cxnSp>
+        <p:nvCxnSpPr>
+          <p:cNvPr id="30" name="Straight Arrow Connector 29">
+            <a:extLst>
+              <a:ext uri="{FF2B5EF4-FFF2-40B4-BE49-F238E27FC236}">
+                <a16:creationId xmlns:a16="http://schemas.microsoft.com/office/drawing/2014/main" id="{B399A82D-F704-5BC2-D540-94548080494B}"/>
+              </a:ext>
+            </a:extLst>
+          </p:cNvPr>
+          <p:cNvCxnSpPr>
+            <a:cxnSpLocks/>
+          </p:cNvCxnSpPr>
+          <p:nvPr/>
+        </p:nvCxnSpPr>
+        <p:spPr>
+          <a:xfrm>
+            <a:off x="4800600" y="3761687"/>
+            <a:ext cx="2034540" cy="0"/>
+          </a:xfrm>
+          <a:prstGeom prst="straightConnector1">
+            <a:avLst/>
+          </a:prstGeom>
+          <a:ln w="28575">
+            <a:solidFill>
+              <a:schemeClr val="tx1"/>
+            </a:solidFill>
+            <a:headEnd type="triangle"/>
+            <a:tailEnd type="triangle"/>
+          </a:ln>
+        </p:spPr>
+        <p:style>
+          <a:lnRef idx="1">
+            <a:schemeClr val="accent1"/>
+          </a:lnRef>
+          <a:fillRef idx="0">
+            <a:schemeClr val="accent1"/>
+          </a:fillRef>
+          <a:effectRef idx="0">
+            <a:schemeClr val="accent1"/>
+          </a:effectRef>
+          <a:fontRef idx="minor">
+            <a:schemeClr val="tx1"/>
+          </a:fontRef>
+        </p:style>
+      </p:cxnSp>
+      <p:sp>
+        <p:nvSpPr>
+          <p:cNvPr id="31" name="TextBox 30">
+            <a:extLst>
+              <a:ext uri="{FF2B5EF4-FFF2-40B4-BE49-F238E27FC236}">
+                <a16:creationId xmlns:a16="http://schemas.microsoft.com/office/drawing/2014/main" id="{F79B877A-46FA-BCE2-F9A8-B2B2AA6FD2DC}"/>
+              </a:ext>
+            </a:extLst>
+          </p:cNvPr>
+          <p:cNvSpPr txBox="1"/>
+          <p:nvPr/>
+        </p:nvSpPr>
+        <p:spPr>
+          <a:xfrm>
+            <a:off x="4993498" y="3521112"/>
+            <a:ext cx="1616853" cy="369332"/>
+          </a:xfrm>
+          <a:prstGeom prst="rect">
+            <a:avLst/>
+          </a:prstGeom>
+          <a:solidFill>
+            <a:schemeClr val="bg1"/>
+          </a:solidFill>
+        </p:spPr>
+        <p:txBody>
+          <a:bodyPr wrap="none" rtlCol="0">
+            <a:spAutoFit/>
+          </a:bodyPr>
+          <a:lstStyle/>
+          <a:p>
+            <a:r>
+              <a:rPr lang="en-US" dirty="0"/>
+              <a:t>cooldown time</a:t>
+            </a:r>
+          </a:p>
+        </p:txBody>
+      </p:sp>
+      <p:sp>
+        <p:nvSpPr>
+          <p:cNvPr id="2" name="Left Brace 1">
+            <a:extLst>
+              <a:ext uri="{FF2B5EF4-FFF2-40B4-BE49-F238E27FC236}">
+                <a16:creationId xmlns:a16="http://schemas.microsoft.com/office/drawing/2014/main" id="{6AC2D24B-71F4-4791-248E-0E40A5539C2B}"/>
+              </a:ext>
+            </a:extLst>
+          </p:cNvPr>
+          <p:cNvSpPr/>
+          <p:nvPr/>
+        </p:nvSpPr>
+        <p:spPr>
+          <a:xfrm>
+            <a:off x="6999330" y="3521112"/>
+            <a:ext cx="126521" cy="508955"/>
+          </a:xfrm>
+          <a:prstGeom prst="leftBrace">
+            <a:avLst/>
+          </a:prstGeom>
+          <a:ln w="38100">
+            <a:solidFill>
+              <a:srgbClr val="FF0000"/>
+            </a:solidFill>
+          </a:ln>
+        </p:spPr>
+        <p:style>
+          <a:lnRef idx="1">
+            <a:schemeClr val="accent1"/>
+          </a:lnRef>
+          <a:fillRef idx="0">
+            <a:schemeClr val="accent1"/>
+          </a:fillRef>
+          <a:effectRef idx="0">
+            <a:schemeClr val="accent1"/>
+          </a:effectRef>
+          <a:fontRef idx="minor">
+            <a:schemeClr val="tx1"/>
+          </a:fontRef>
+        </p:style>
+        <p:txBody>
+          <a:bodyPr rtlCol="0" anchor="ctr"/>
+          <a:lstStyle/>
+          <a:p>
+            <a:pPr algn="ctr"/>
+            <a:endParaRPr lang="en-US"/>
+          </a:p>
+        </p:txBody>
+      </p:sp>
+      <p:sp>
+        <p:nvSpPr>
+          <p:cNvPr id="32" name="Left Brace 31">
+            <a:extLst>
+              <a:ext uri="{FF2B5EF4-FFF2-40B4-BE49-F238E27FC236}">
+                <a16:creationId xmlns:a16="http://schemas.microsoft.com/office/drawing/2014/main" id="{0C64EB83-145B-AECB-5031-C7B33EE8DA20}"/>
+              </a:ext>
+            </a:extLst>
+          </p:cNvPr>
+          <p:cNvSpPr/>
+          <p:nvPr/>
+        </p:nvSpPr>
+        <p:spPr>
+          <a:xfrm flipH="1">
+            <a:off x="7826467" y="3529669"/>
+            <a:ext cx="126521" cy="508955"/>
+          </a:xfrm>
+          <a:prstGeom prst="leftBrace">
+            <a:avLst/>
+          </a:prstGeom>
+          <a:ln w="38100">
+            <a:solidFill>
+              <a:srgbClr val="FF0000"/>
+            </a:solidFill>
+          </a:ln>
+        </p:spPr>
+        <p:style>
+          <a:lnRef idx="1">
+            <a:schemeClr val="accent1"/>
+          </a:lnRef>
+          <a:fillRef idx="0">
+            <a:schemeClr val="accent1"/>
+          </a:fillRef>
+          <a:effectRef idx="0">
+            <a:schemeClr val="accent1"/>
+          </a:effectRef>
+          <a:fontRef idx="minor">
+            <a:schemeClr val="tx1"/>
+          </a:fontRef>
+        </p:style>
+        <p:txBody>
+          <a:bodyPr rtlCol="0" anchor="ctr"/>
+          <a:lstStyle/>
+          <a:p>
+            <a:pPr algn="ctr"/>
+            <a:endParaRPr lang="en-US"/>
+          </a:p>
+        </p:txBody>
+      </p:sp>
+      <p:sp>
+        <p:nvSpPr>
+          <p:cNvPr id="3" name="TextBox 2">
+            <a:extLst>
+              <a:ext uri="{FF2B5EF4-FFF2-40B4-BE49-F238E27FC236}">
+                <a16:creationId xmlns:a16="http://schemas.microsoft.com/office/drawing/2014/main" id="{C729ED5D-1539-EE8B-22AE-2175A50BBF96}"/>
+              </a:ext>
+            </a:extLst>
+          </p:cNvPr>
+          <p:cNvSpPr txBox="1"/>
+          <p:nvPr/>
+        </p:nvSpPr>
+        <p:spPr>
+          <a:xfrm>
+            <a:off x="7761166" y="3215852"/>
+            <a:ext cx="333746" cy="369332"/>
+          </a:xfrm>
+          <a:prstGeom prst="rect">
+            <a:avLst/>
+          </a:prstGeom>
+          <a:noFill/>
+        </p:spPr>
+        <p:txBody>
+          <a:bodyPr wrap="none" rtlCol="0">
+            <a:spAutoFit/>
+          </a:bodyPr>
+          <a:lstStyle/>
+          <a:p>
+            <a:r>
+              <a:rPr lang="en-US" i="1" dirty="0"/>
+              <a:t>N</a:t>
+            </a:r>
+          </a:p>
+        </p:txBody>
+      </p:sp>
+    </p:spTree>
+    <p:extLst>
+      <p:ext uri="{BB962C8B-B14F-4D97-AF65-F5344CB8AC3E}">
+        <p14:creationId xmlns:p14="http://schemas.microsoft.com/office/powerpoint/2010/main" val="3123667127"/>
       </p:ext>
     </p:extLst>
   </p:cSld>

--- a/Quantum-Control-Applications/Superconducting/Kerr-Cat SNAIL-mon/Use Case 2 - QuLAB - Kerr-Cat/Grimm_Frattini_Fig1.pptx
+++ b/Quantum-Control-Applications/Superconducting/Kerr-Cat SNAIL-mon/Use Case 2 - QuLAB - Kerr-Cat/Grimm_Frattini_Fig1.pptx
@@ -4262,7 +4262,7 @@
         <p:spPr>
           <a:xfrm>
             <a:off x="2786332" y="2904227"/>
-            <a:ext cx="6117566" cy="0"/>
+            <a:ext cx="6331789" cy="0"/>
           </a:xfrm>
           <a:prstGeom prst="straightConnector1">
             <a:avLst/>
@@ -4304,7 +4304,7 @@
         <p:spPr>
           <a:xfrm>
             <a:off x="3131391" y="2164230"/>
-            <a:ext cx="5201726" cy="739997"/>
+            <a:ext cx="5615794" cy="739997"/>
           </a:xfrm>
           <a:custGeom>
             <a:avLst/>
@@ -4456,7 +4456,7 @@
         <p:spPr>
           <a:xfrm>
             <a:off x="2786332" y="3936521"/>
-            <a:ext cx="6117566" cy="0"/>
+            <a:ext cx="6331789" cy="0"/>
           </a:xfrm>
           <a:prstGeom prst="straightConnector1">
             <a:avLst/>
@@ -4689,7 +4689,7 @@
             </p:nvSpPr>
             <p:spPr>
               <a:xfrm>
-                <a:off x="8967598" y="2658005"/>
+                <a:off x="9162947" y="2658005"/>
                 <a:ext cx="542584" cy="492443"/>
               </a:xfrm>
               <a:prstGeom prst="rect">
@@ -4761,7 +4761,7 @@
             </p:nvSpPr>
             <p:spPr>
               <a:xfrm>
-                <a:off x="8967598" y="2658005"/>
+                <a:off x="9162947" y="2658005"/>
                 <a:ext cx="542584" cy="492443"/>
               </a:xfrm>
               <a:prstGeom prst="rect">
@@ -4805,7 +4805,7 @@
             </p:nvSpPr>
             <p:spPr>
               <a:xfrm>
-                <a:off x="8967598" y="3658394"/>
+                <a:off x="9171461" y="3658394"/>
                 <a:ext cx="781752" cy="464101"/>
               </a:xfrm>
               <a:prstGeom prst="rect">
@@ -4877,7 +4877,7 @@
             </p:nvSpPr>
             <p:spPr>
               <a:xfrm>
-                <a:off x="8967598" y="3658394"/>
+                <a:off x="9171461" y="3658394"/>
                 <a:ext cx="781752" cy="464101"/>
               </a:xfrm>
               <a:prstGeom prst="rect">
@@ -5517,7 +5517,7 @@
         <p:spPr>
           <a:xfrm>
             <a:off x="3726611" y="2164230"/>
-            <a:ext cx="4537495" cy="739997"/>
+            <a:ext cx="4822166" cy="739997"/>
           </a:xfrm>
           <a:custGeom>
             <a:avLst/>
@@ -5886,8 +5886,8 @@
           </a:p>
         </p:txBody>
       </p:sp>
-      <mc:AlternateContent xmlns:mc="http://schemas.openxmlformats.org/markup-compatibility/2006">
-        <mc:Choice xmlns:a14="http://schemas.microsoft.com/office/drawing/2010/main" Requires="a14">
+      <mc:AlternateContent xmlns:mc="http://schemas.openxmlformats.org/markup-compatibility/2006" xmlns:a14="http://schemas.microsoft.com/office/drawing/2010/main">
+        <mc:Choice Requires="a14">
           <p:sp>
             <p:nvSpPr>
               <p:cNvPr id="26" name="TextBox 25">
@@ -5957,7 +5957,7 @@
             </p:txBody>
           </p:sp>
         </mc:Choice>
-        <mc:Fallback>
+        <mc:Fallback xmlns="">
           <p:sp>
             <p:nvSpPr>
               <p:cNvPr id="26" name="TextBox 25">
@@ -6002,8 +6002,8 @@
           </p:sp>
         </mc:Fallback>
       </mc:AlternateContent>
-      <mc:AlternateContent xmlns:mc="http://schemas.openxmlformats.org/markup-compatibility/2006">
-        <mc:Choice xmlns:a14="http://schemas.microsoft.com/office/drawing/2010/main" Requires="a14">
+      <mc:AlternateContent xmlns:mc="http://schemas.openxmlformats.org/markup-compatibility/2006" xmlns:a14="http://schemas.microsoft.com/office/drawing/2010/main">
+        <mc:Choice Requires="a14">
           <p:sp>
             <p:nvSpPr>
               <p:cNvPr id="27" name="TextBox 26">
@@ -6073,7 +6073,7 @@
             </p:txBody>
           </p:sp>
         </mc:Choice>
-        <mc:Fallback>
+        <mc:Fallback xmlns="">
           <p:sp>
             <p:nvSpPr>
               <p:cNvPr id="27" name="TextBox 26">
